--- a/SeminerSunumuII.pptx
+++ b/SeminerSunumuII.pptx
@@ -5,10 +5,10 @@
     <p:sldMasterId id="2147483648" r:id="rId1"/>
   </p:sldMasterIdLst>
   <p:notesMasterIdLst>
-    <p:notesMasterId r:id="rId35"/>
+    <p:notesMasterId r:id="rId36"/>
   </p:notesMasterIdLst>
   <p:handoutMasterIdLst>
-    <p:handoutMasterId r:id="rId36"/>
+    <p:handoutMasterId r:id="rId37"/>
   </p:handoutMasterIdLst>
   <p:sldIdLst>
     <p:sldId id="256" r:id="rId2"/>
@@ -34,16 +34,17 @@
     <p:sldId id="339" r:id="rId22"/>
     <p:sldId id="340" r:id="rId23"/>
     <p:sldId id="341" r:id="rId24"/>
-    <p:sldId id="318" r:id="rId25"/>
-    <p:sldId id="310" r:id="rId26"/>
-    <p:sldId id="275" r:id="rId27"/>
-    <p:sldId id="297" r:id="rId28"/>
-    <p:sldId id="298" r:id="rId29"/>
-    <p:sldId id="299" r:id="rId30"/>
-    <p:sldId id="273" r:id="rId31"/>
-    <p:sldId id="296" r:id="rId32"/>
-    <p:sldId id="342" r:id="rId33"/>
-    <p:sldId id="295" r:id="rId34"/>
+    <p:sldId id="343" r:id="rId25"/>
+    <p:sldId id="318" r:id="rId26"/>
+    <p:sldId id="310" r:id="rId27"/>
+    <p:sldId id="275" r:id="rId28"/>
+    <p:sldId id="297" r:id="rId29"/>
+    <p:sldId id="298" r:id="rId30"/>
+    <p:sldId id="299" r:id="rId31"/>
+    <p:sldId id="273" r:id="rId32"/>
+    <p:sldId id="296" r:id="rId33"/>
+    <p:sldId id="342" r:id="rId34"/>
+    <p:sldId id="295" r:id="rId35"/>
   </p:sldIdLst>
   <p:sldSz cx="12192000" cy="6858000"/>
   <p:notesSz cx="6858000" cy="9144000"/>
@@ -244,7 +245,7 @@
           <a:p>
             <a:fld id="{68A6D04F-618D-47E8-B02A-A4025E2EE04E}" type="datetimeFigureOut">
               <a:rPr lang="en-US" smtClean="0"/>
-              <a:t>7/11/2020</a:t>
+              <a:t>7/13/2020</a:t>
             </a:fld>
             <a:endParaRPr lang="en-US"/>
           </a:p>
@@ -421,7 +422,7 @@
           <a:p>
             <a:fld id="{4B54E02C-ADB4-4BD3-92F3-9B00A809EDB2}" type="datetimeFigureOut">
               <a:rPr lang="en-US" smtClean="0"/>
-              <a:t>7/11/2020</a:t>
+              <a:t>7/13/2020</a:t>
             </a:fld>
             <a:endParaRPr lang="en-US"/>
           </a:p>
@@ -1003,7 +1004,7 @@
           <a:p>
             <a:fld id="{9F2176D6-14D6-49BD-8A75-0B8094C847AE}" type="datetime1">
               <a:rPr lang="en-US" smtClean="0"/>
-              <a:t>7/11/2020</a:t>
+              <a:t>7/13/2020</a:t>
             </a:fld>
             <a:endParaRPr lang="en-US"/>
           </a:p>
@@ -1204,7 +1205,7 @@
           <a:p>
             <a:fld id="{AABB835D-1CFC-46AA-B5FA-DC6C3EBD14B3}" type="datetime1">
               <a:rPr lang="en-US" smtClean="0"/>
-              <a:t>7/11/2020</a:t>
+              <a:t>7/13/2020</a:t>
             </a:fld>
             <a:endParaRPr lang="en-US"/>
           </a:p>
@@ -1415,7 +1416,7 @@
           <a:p>
             <a:fld id="{0BDC81AC-939E-4C7C-A17C-40659A6B449B}" type="datetime1">
               <a:rPr lang="en-US" smtClean="0"/>
-              <a:t>7/11/2020</a:t>
+              <a:t>7/13/2020</a:t>
             </a:fld>
             <a:endParaRPr lang="en-US"/>
           </a:p>
@@ -1616,7 +1617,7 @@
           <a:p>
             <a:fld id="{AC055768-93BB-4836-94F4-8B262B48CFF3}" type="datetime1">
               <a:rPr lang="en-US" smtClean="0"/>
-              <a:t>7/11/2020</a:t>
+              <a:t>7/13/2020</a:t>
             </a:fld>
             <a:endParaRPr lang="en-US"/>
           </a:p>
@@ -1894,7 +1895,7 @@
           <a:p>
             <a:fld id="{9BB4C23A-B998-46A2-BBD5-CA77670357C7}" type="datetime1">
               <a:rPr lang="en-US" smtClean="0"/>
-              <a:t>7/11/2020</a:t>
+              <a:t>7/13/2020</a:t>
             </a:fld>
             <a:endParaRPr lang="en-US"/>
           </a:p>
@@ -2162,7 +2163,7 @@
           <a:p>
             <a:fld id="{CAB0ADF1-0132-4F4F-BC70-E651134CB3D9}" type="datetime1">
               <a:rPr lang="en-US" smtClean="0"/>
-              <a:t>7/11/2020</a:t>
+              <a:t>7/13/2020</a:t>
             </a:fld>
             <a:endParaRPr lang="en-US"/>
           </a:p>
@@ -2577,7 +2578,7 @@
           <a:p>
             <a:fld id="{B90CF8F8-10A5-419E-8BBA-CC81FBD19663}" type="datetime1">
               <a:rPr lang="en-US" smtClean="0"/>
-              <a:t>7/11/2020</a:t>
+              <a:t>7/13/2020</a:t>
             </a:fld>
             <a:endParaRPr lang="en-US"/>
           </a:p>
@@ -2721,7 +2722,7 @@
           <a:p>
             <a:fld id="{127EC328-0B21-40EA-A155-6DBE78BB3759}" type="datetime1">
               <a:rPr lang="en-US" smtClean="0"/>
-              <a:t>7/11/2020</a:t>
+              <a:t>7/13/2020</a:t>
             </a:fld>
             <a:endParaRPr lang="en-US"/>
           </a:p>
@@ -2837,7 +2838,7 @@
           <a:p>
             <a:fld id="{65C023F7-E2F5-4E99-A5A3-7F19310195B9}" type="datetime1">
               <a:rPr lang="en-US" smtClean="0"/>
-              <a:t>7/11/2020</a:t>
+              <a:t>7/13/2020</a:t>
             </a:fld>
             <a:endParaRPr lang="en-US"/>
           </a:p>
@@ -3151,7 +3152,7 @@
           <a:p>
             <a:fld id="{56F95EC8-EFC9-44D0-8327-7E0369FA309D}" type="datetime1">
               <a:rPr lang="en-US" smtClean="0"/>
-              <a:t>7/11/2020</a:t>
+              <a:t>7/13/2020</a:t>
             </a:fld>
             <a:endParaRPr lang="en-US"/>
           </a:p>
@@ -3442,7 +3443,7 @@
           <a:p>
             <a:fld id="{6CA7C019-9A09-4009-B830-421C0159E6EC}" type="datetime1">
               <a:rPr lang="en-US" smtClean="0"/>
-              <a:t>7/11/2020</a:t>
+              <a:t>7/13/2020</a:t>
             </a:fld>
             <a:endParaRPr lang="en-US"/>
           </a:p>
@@ -3686,7 +3687,7 @@
           <a:p>
             <a:fld id="{A3F6D550-8FA4-4F4F-8782-2D121C562115}" type="datetime1">
               <a:rPr lang="en-US" smtClean="0"/>
-              <a:t>7/11/2020</a:t>
+              <a:t>7/13/2020</a:t>
             </a:fld>
             <a:endParaRPr lang="en-US"/>
           </a:p>
@@ -7609,7 +7610,7 @@
           <p:nvPr>
             <p:extLst>
               <p:ext uri="{D42A27DB-BD31-4B8C-83A1-F6EECF244321}">
-                <p14:modId xmlns:p14="http://schemas.microsoft.com/office/powerpoint/2010/main" val="3165429782"/>
+                <p14:modId xmlns:p14="http://schemas.microsoft.com/office/powerpoint/2010/main" val="1812298724"/>
               </p:ext>
             </p:extLst>
           </p:nvPr>
@@ -7741,7 +7742,7 @@
                   </a:ext>
                 </a:extLst>
               </a:tr>
-              <a:tr h="0">
+              <a:tr h="42939">
                 <a:tc>
                   <a:txBody>
                     <a:bodyPr/>
@@ -18492,6 +18493,185 @@
           </a:p>
         </p:txBody>
       </p:sp>
+      <p:sp>
+        <p:nvSpPr>
+          <p:cNvPr id="14" name="Rectangle 13">
+            <a:extLst>
+              <a:ext uri="{FF2B5EF4-FFF2-40B4-BE49-F238E27FC236}">
+                <a16:creationId xmlns:a16="http://schemas.microsoft.com/office/drawing/2014/main" id="{B4FC873C-E86E-4ABA-8E73-11795037A995}"/>
+              </a:ext>
+            </a:extLst>
+          </p:cNvPr>
+          <p:cNvSpPr/>
+          <p:nvPr/>
+        </p:nvSpPr>
+        <p:spPr>
+          <a:xfrm>
+            <a:off x="6335230" y="5158661"/>
+            <a:ext cx="5265003" cy="738664"/>
+          </a:xfrm>
+          <a:prstGeom prst="rect">
+            <a:avLst/>
+          </a:prstGeom>
+        </p:spPr>
+        <p:txBody>
+          <a:bodyPr wrap="square">
+            <a:spAutoFit/>
+          </a:bodyPr>
+          <a:lstStyle/>
+          <a:p>
+            <a:pPr algn="ctr"/>
+            <a:r>
+              <a:rPr lang="en-US" sz="1400" b="1" dirty="0" err="1">
+                <a:solidFill>
+                  <a:srgbClr val="C00000"/>
+                </a:solidFill>
+                <a:latin typeface="Calibri" panose="020F0502020204030204" pitchFamily="34" charset="0"/>
+                <a:ea typeface="Calibri" panose="020F0502020204030204" pitchFamily="34" charset="0"/>
+              </a:rPr>
+              <a:t>Daha</a:t>
+            </a:r>
+            <a:r>
+              <a:rPr lang="en-US" sz="1400" b="1" dirty="0">
+                <a:solidFill>
+                  <a:srgbClr val="C00000"/>
+                </a:solidFill>
+                <a:latin typeface="Calibri" panose="020F0502020204030204" pitchFamily="34" charset="0"/>
+                <a:ea typeface="Calibri" panose="020F0502020204030204" pitchFamily="34" charset="0"/>
+              </a:rPr>
+              <a:t> </a:t>
+            </a:r>
+            <a:r>
+              <a:rPr lang="en-US" sz="1400" b="1" dirty="0" err="1">
+                <a:solidFill>
+                  <a:srgbClr val="C00000"/>
+                </a:solidFill>
+                <a:latin typeface="Calibri" panose="020F0502020204030204" pitchFamily="34" charset="0"/>
+                <a:ea typeface="Calibri" panose="020F0502020204030204" pitchFamily="34" charset="0"/>
+              </a:rPr>
+              <a:t>fazla</a:t>
+            </a:r>
+            <a:r>
+              <a:rPr lang="en-US" sz="1400" b="1" dirty="0">
+                <a:solidFill>
+                  <a:srgbClr val="C00000"/>
+                </a:solidFill>
+                <a:latin typeface="Calibri" panose="020F0502020204030204" pitchFamily="34" charset="0"/>
+                <a:ea typeface="Calibri" panose="020F0502020204030204" pitchFamily="34" charset="0"/>
+              </a:rPr>
+              <a:t> Opcode </a:t>
+            </a:r>
+            <a:r>
+              <a:rPr lang="en-US" sz="1400" b="1" dirty="0" err="1">
+                <a:solidFill>
+                  <a:srgbClr val="C00000"/>
+                </a:solidFill>
+                <a:latin typeface="Calibri" panose="020F0502020204030204" pitchFamily="34" charset="0"/>
+                <a:ea typeface="Calibri" panose="020F0502020204030204" pitchFamily="34" charset="0"/>
+              </a:rPr>
+              <a:t>icin</a:t>
+            </a:r>
+            <a:r>
+              <a:rPr lang="en-US" sz="1400" b="1" dirty="0">
+                <a:solidFill>
+                  <a:srgbClr val="C00000"/>
+                </a:solidFill>
+                <a:latin typeface="Calibri" panose="020F0502020204030204" pitchFamily="34" charset="0"/>
+                <a:ea typeface="Calibri" panose="020F0502020204030204" pitchFamily="34" charset="0"/>
+              </a:rPr>
+              <a:t> </a:t>
+            </a:r>
+            <a:r>
+              <a:rPr lang="en-US" sz="1400" b="1" dirty="0">
+                <a:solidFill>
+                  <a:srgbClr val="C00000"/>
+                </a:solidFill>
+                <a:hlinkClick r:id="rId2">
+                  <a:extLst>
+                    <a:ext uri="{A12FA001-AC4F-418D-AE19-62706E023703}">
+                      <ahyp:hlinkClr xmlns:ahyp="http://schemas.microsoft.com/office/drawing/2018/hyperlinkcolor" val="tx"/>
+                    </a:ext>
+                  </a:extLst>
+                </a:hlinkClick>
+              </a:rPr>
+              <a:t>https://github.com/SevdanurGENC/ConvertToByteCode</a:t>
+            </a:r>
+            <a:r>
+              <a:rPr lang="tr-TR" sz="1400" b="1" dirty="0">
+                <a:solidFill>
+                  <a:srgbClr val="C00000"/>
+                </a:solidFill>
+              </a:rPr>
+              <a:t> </a:t>
+            </a:r>
+            <a:r>
+              <a:rPr lang="en-US" sz="1400" b="1" dirty="0" err="1">
+                <a:solidFill>
+                  <a:srgbClr val="C00000"/>
+                </a:solidFill>
+                <a:latin typeface="Calibri" panose="020F0502020204030204" pitchFamily="34" charset="0"/>
+                <a:ea typeface="Calibri" panose="020F0502020204030204" pitchFamily="34" charset="0"/>
+              </a:rPr>
+              <a:t>adresindeki</a:t>
+            </a:r>
+            <a:r>
+              <a:rPr lang="en-US" sz="1400" b="1" dirty="0">
+                <a:solidFill>
+                  <a:srgbClr val="C00000"/>
+                </a:solidFill>
+                <a:latin typeface="Calibri" panose="020F0502020204030204" pitchFamily="34" charset="0"/>
+                <a:ea typeface="Calibri" panose="020F0502020204030204" pitchFamily="34" charset="0"/>
+              </a:rPr>
+              <a:t> </a:t>
+            </a:r>
+            <a:r>
+              <a:rPr lang="en-US" sz="1400" b="1" dirty="0" err="1">
+                <a:solidFill>
+                  <a:srgbClr val="C00000"/>
+                </a:solidFill>
+                <a:latin typeface="Calibri" panose="020F0502020204030204" pitchFamily="34" charset="0"/>
+                <a:ea typeface="Calibri" panose="020F0502020204030204" pitchFamily="34" charset="0"/>
+              </a:rPr>
+              <a:t>tabloyu</a:t>
+            </a:r>
+            <a:r>
+              <a:rPr lang="en-US" sz="1400" b="1" dirty="0">
+                <a:solidFill>
+                  <a:srgbClr val="C00000"/>
+                </a:solidFill>
+                <a:latin typeface="Calibri" panose="020F0502020204030204" pitchFamily="34" charset="0"/>
+                <a:ea typeface="Calibri" panose="020F0502020204030204" pitchFamily="34" charset="0"/>
+              </a:rPr>
+              <a:t> </a:t>
+            </a:r>
+            <a:r>
+              <a:rPr lang="en-US" sz="1400" b="1" dirty="0" err="1">
+                <a:solidFill>
+                  <a:srgbClr val="C00000"/>
+                </a:solidFill>
+                <a:latin typeface="Calibri" panose="020F0502020204030204" pitchFamily="34" charset="0"/>
+                <a:ea typeface="Calibri" panose="020F0502020204030204" pitchFamily="34" charset="0"/>
+              </a:rPr>
+              <a:t>inceleyebilirsiniz</a:t>
+            </a:r>
+            <a:r>
+              <a:rPr lang="en-US" sz="1400" b="1" dirty="0">
+                <a:solidFill>
+                  <a:srgbClr val="C00000"/>
+                </a:solidFill>
+                <a:latin typeface="Calibri" panose="020F0502020204030204" pitchFamily="34" charset="0"/>
+                <a:ea typeface="Calibri" panose="020F0502020204030204" pitchFamily="34" charset="0"/>
+              </a:rPr>
+              <a:t>.</a:t>
+            </a:r>
+            <a:endParaRPr lang="en-US" sz="1400" b="1" dirty="0">
+              <a:solidFill>
+                <a:srgbClr val="C00000"/>
+              </a:solidFill>
+            </a:endParaRPr>
+          </a:p>
+        </p:txBody>
+      </p:sp>
     </p:spTree>
     <p:extLst>
       <p:ext uri="{BB962C8B-B14F-4D97-AF65-F5344CB8AC3E}">
@@ -22789,6 +22969,251 @@
           <p:cNvPr id="2" name="Title 1">
             <a:extLst>
               <a:ext uri="{FF2B5EF4-FFF2-40B4-BE49-F238E27FC236}">
+                <a16:creationId xmlns:a16="http://schemas.microsoft.com/office/drawing/2014/main" id="{3962D9C7-7623-40EB-8170-330B975CD9E2}"/>
+              </a:ext>
+            </a:extLst>
+          </p:cNvPr>
+          <p:cNvSpPr>
+            <a:spLocks noGrp="1"/>
+          </p:cNvSpPr>
+          <p:nvPr>
+            <p:ph type="title"/>
+          </p:nvPr>
+        </p:nvSpPr>
+        <p:spPr/>
+        <p:txBody>
+          <a:bodyPr/>
+          <a:lstStyle/>
+          <a:p>
+            <a:r>
+              <a:rPr lang="tr-TR" b="1" dirty="0"/>
+              <a:t>Opcode ve Yığın Çerçeve Mantığı</a:t>
+            </a:r>
+            <a:endParaRPr lang="en-US" b="1" dirty="0"/>
+          </a:p>
+        </p:txBody>
+      </p:sp>
+      <p:sp>
+        <p:nvSpPr>
+          <p:cNvPr id="4" name="Footer Placeholder 3">
+            <a:extLst>
+              <a:ext uri="{FF2B5EF4-FFF2-40B4-BE49-F238E27FC236}">
+                <a16:creationId xmlns:a16="http://schemas.microsoft.com/office/drawing/2014/main" id="{4D1CDA8E-1B52-486B-B9BD-1A14F605423B}"/>
+              </a:ext>
+            </a:extLst>
+          </p:cNvPr>
+          <p:cNvSpPr>
+            <a:spLocks noGrp="1"/>
+          </p:cNvSpPr>
+          <p:nvPr>
+            <p:ph type="ftr" sz="quarter" idx="11"/>
+          </p:nvPr>
+        </p:nvSpPr>
+        <p:spPr/>
+        <p:txBody>
+          <a:bodyPr/>
+          <a:lstStyle/>
+          <a:p>
+            <a:r>
+              <a:rPr lang="en-US"/>
+              <a:t>Bytecode Üzerinden Bir Java Programının Analizi - S GENÇ</a:t>
+            </a:r>
+          </a:p>
+        </p:txBody>
+      </p:sp>
+      <p:sp>
+        <p:nvSpPr>
+          <p:cNvPr id="5" name="Slide Number Placeholder 4">
+            <a:extLst>
+              <a:ext uri="{FF2B5EF4-FFF2-40B4-BE49-F238E27FC236}">
+                <a16:creationId xmlns:a16="http://schemas.microsoft.com/office/drawing/2014/main" id="{0656418E-38F3-4310-AA5C-2897369874FE}"/>
+              </a:ext>
+            </a:extLst>
+          </p:cNvPr>
+          <p:cNvSpPr>
+            <a:spLocks noGrp="1"/>
+          </p:cNvSpPr>
+          <p:nvPr>
+            <p:ph type="sldNum" sz="quarter" idx="12"/>
+          </p:nvPr>
+        </p:nvSpPr>
+        <p:spPr/>
+        <p:txBody>
+          <a:bodyPr/>
+          <a:lstStyle/>
+          <a:p>
+            <a:fld id="{B5FABE4D-60AF-4014-813B-6063C03839D2}" type="slidenum">
+              <a:rPr lang="en-US" smtClean="0"/>
+              <a:t>24</a:t>
+            </a:fld>
+            <a:endParaRPr lang="en-US"/>
+          </a:p>
+        </p:txBody>
+      </p:sp>
+      <p:sp>
+        <p:nvSpPr>
+          <p:cNvPr id="12" name="Content Placeholder 11">
+            <a:extLst>
+              <a:ext uri="{FF2B5EF4-FFF2-40B4-BE49-F238E27FC236}">
+                <a16:creationId xmlns:a16="http://schemas.microsoft.com/office/drawing/2014/main" id="{754F1DB3-9293-4E23-9CD7-BE09F33C41EC}"/>
+              </a:ext>
+            </a:extLst>
+          </p:cNvPr>
+          <p:cNvSpPr>
+            <a:spLocks noGrp="1"/>
+          </p:cNvSpPr>
+          <p:nvPr>
+            <p:ph idx="1"/>
+          </p:nvPr>
+        </p:nvSpPr>
+        <p:spPr>
+          <a:xfrm>
+            <a:off x="793941" y="5240005"/>
+            <a:ext cx="5464498" cy="936957"/>
+          </a:xfrm>
+        </p:spPr>
+        <p:txBody>
+          <a:bodyPr>
+            <a:normAutofit/>
+          </a:bodyPr>
+          <a:lstStyle/>
+          <a:p>
+            <a:r>
+              <a:rPr lang="en-US" sz="1400" b="1" dirty="0">
+                <a:solidFill>
+                  <a:srgbClr val="C00000"/>
+                </a:solidFill>
+              </a:rPr>
+              <a:t>James D Bloom - Java Code To Byte Code : https://blog.jamesdbloom.com/JavaCodeToByteCode_PartOne.html</a:t>
+            </a:r>
+          </a:p>
+        </p:txBody>
+      </p:sp>
+      <p:pic>
+        <p:nvPicPr>
+          <p:cNvPr id="16" name="Picture 15">
+            <a:extLst>
+              <a:ext uri="{FF2B5EF4-FFF2-40B4-BE49-F238E27FC236}">
+                <a16:creationId xmlns:a16="http://schemas.microsoft.com/office/drawing/2014/main" id="{80BEBA4C-40D2-496D-BE21-FDDAFD769B3F}"/>
+              </a:ext>
+            </a:extLst>
+          </p:cNvPr>
+          <p:cNvPicPr>
+            <a:picLocks noChangeAspect="1"/>
+          </p:cNvPicPr>
+          <p:nvPr/>
+        </p:nvPicPr>
+        <p:blipFill>
+          <a:blip r:embed="rId2"/>
+          <a:stretch>
+            <a:fillRect/>
+          </a:stretch>
+        </p:blipFill>
+        <p:spPr>
+          <a:xfrm>
+            <a:off x="460394" y="1690688"/>
+            <a:ext cx="2675703" cy="2458480"/>
+          </a:xfrm>
+          <a:prstGeom prst="rect">
+            <a:avLst/>
+          </a:prstGeom>
+        </p:spPr>
+      </p:pic>
+      <p:pic>
+        <p:nvPicPr>
+          <p:cNvPr id="18" name="Picture 17">
+            <a:extLst>
+              <a:ext uri="{FF2B5EF4-FFF2-40B4-BE49-F238E27FC236}">
+                <a16:creationId xmlns:a16="http://schemas.microsoft.com/office/drawing/2014/main" id="{38D41B90-E7A4-492C-9032-398E9552095A}"/>
+              </a:ext>
+            </a:extLst>
+          </p:cNvPr>
+          <p:cNvPicPr>
+            <a:picLocks noChangeAspect="1"/>
+          </p:cNvPicPr>
+          <p:nvPr/>
+        </p:nvPicPr>
+        <p:blipFill>
+          <a:blip r:embed="rId3"/>
+          <a:stretch>
+            <a:fillRect/>
+          </a:stretch>
+        </p:blipFill>
+        <p:spPr>
+          <a:xfrm>
+            <a:off x="3883057" y="1690688"/>
+            <a:ext cx="2675704" cy="2802161"/>
+          </a:xfrm>
+          <a:prstGeom prst="rect">
+            <a:avLst/>
+          </a:prstGeom>
+        </p:spPr>
+      </p:pic>
+      <p:pic>
+        <p:nvPicPr>
+          <p:cNvPr id="20" name="Picture 19">
+            <a:extLst>
+              <a:ext uri="{FF2B5EF4-FFF2-40B4-BE49-F238E27FC236}">
+                <a16:creationId xmlns:a16="http://schemas.microsoft.com/office/drawing/2014/main" id="{7E8A4859-79E6-48BB-B36E-CCB69B34500B}"/>
+              </a:ext>
+            </a:extLst>
+          </p:cNvPr>
+          <p:cNvPicPr>
+            <a:picLocks noChangeAspect="1"/>
+          </p:cNvPicPr>
+          <p:nvPr/>
+        </p:nvPicPr>
+        <p:blipFill>
+          <a:blip r:embed="rId4"/>
+          <a:stretch>
+            <a:fillRect/>
+          </a:stretch>
+        </p:blipFill>
+        <p:spPr>
+          <a:xfrm>
+            <a:off x="7005399" y="1497321"/>
+            <a:ext cx="4538977" cy="4679641"/>
+          </a:xfrm>
+          <a:prstGeom prst="rect">
+            <a:avLst/>
+          </a:prstGeom>
+        </p:spPr>
+      </p:pic>
+    </p:spTree>
+    <p:extLst>
+      <p:ext uri="{BB962C8B-B14F-4D97-AF65-F5344CB8AC3E}">
+        <p14:creationId xmlns:p14="http://schemas.microsoft.com/office/powerpoint/2010/main" val="1302725699"/>
+      </p:ext>
+    </p:extLst>
+  </p:cSld>
+  <p:clrMapOvr>
+    <a:masterClrMapping/>
+  </p:clrMapOvr>
+</p:sld>
+</file>
+
+<file path=ppt/slides/slide25.xml><?xml version="1.0" encoding="utf-8"?>
+<p:sld xmlns:a="http://schemas.openxmlformats.org/drawingml/2006/main" xmlns:r="http://schemas.openxmlformats.org/officeDocument/2006/relationships" xmlns:p="http://schemas.openxmlformats.org/presentationml/2006/main">
+  <p:cSld>
+    <p:spTree>
+      <p:nvGrpSpPr>
+        <p:cNvPr id="1" name=""/>
+        <p:cNvGrpSpPr/>
+        <p:nvPr/>
+      </p:nvGrpSpPr>
+      <p:grpSpPr>
+        <a:xfrm>
+          <a:off x="0" y="0"/>
+          <a:ext cx="0" cy="0"/>
+          <a:chOff x="0" y="0"/>
+          <a:chExt cx="0" cy="0"/>
+        </a:xfrm>
+      </p:grpSpPr>
+      <p:sp>
+        <p:nvSpPr>
+          <p:cNvPr id="2" name="Title 1">
+            <a:extLst>
+              <a:ext uri="{FF2B5EF4-FFF2-40B4-BE49-F238E27FC236}">
                 <a16:creationId xmlns:a16="http://schemas.microsoft.com/office/drawing/2014/main" id="{18AA8A0B-AE22-4D1B-939A-A6783096CE73}"/>
               </a:ext>
             </a:extLst>
@@ -22862,7 +23287,7 @@
           <a:p>
             <a:pPr algn="just"/>
             <a:r>
-              <a:rPr lang="en-US" dirty="0" err="1"/>
+              <a:rPr lang="en-US" b="1" dirty="0" err="1"/>
               <a:t>Javassist</a:t>
             </a:r>
             <a:r>
@@ -22922,51 +23347,51 @@
           <a:p>
             <a:pPr algn="just"/>
             <a:r>
-              <a:rPr lang="en-US" dirty="0" err="1"/>
+              <a:rPr lang="en-US" b="1" dirty="0" err="1"/>
               <a:t>Java'da</a:t>
             </a:r>
             <a:r>
-              <a:rPr lang="en-US" dirty="0"/>
-              <a:t> </a:t>
-            </a:r>
-            <a:r>
-              <a:rPr lang="en-US" dirty="0" err="1"/>
+              <a:rPr lang="en-US" b="1" dirty="0"/>
+              <a:t> </a:t>
+            </a:r>
+            <a:r>
+              <a:rPr lang="en-US" b="1" dirty="0" err="1"/>
               <a:t>bayt</a:t>
             </a:r>
             <a:r>
-              <a:rPr lang="en-US" dirty="0"/>
-              <a:t> </a:t>
-            </a:r>
-            <a:r>
-              <a:rPr lang="en-US" dirty="0" err="1"/>
+              <a:rPr lang="en-US" b="1" dirty="0"/>
+              <a:t> </a:t>
+            </a:r>
+            <a:r>
+              <a:rPr lang="en-US" b="1" dirty="0" err="1"/>
               <a:t>kodlarını</a:t>
             </a:r>
             <a:r>
-              <a:rPr lang="en-US" dirty="0"/>
-              <a:t> </a:t>
-            </a:r>
-            <a:r>
-              <a:rPr lang="en-US" dirty="0" err="1"/>
+              <a:rPr lang="en-US" b="1" dirty="0"/>
+              <a:t> </a:t>
+            </a:r>
+            <a:r>
+              <a:rPr lang="en-US" b="1" dirty="0" err="1"/>
               <a:t>düzenlemek</a:t>
             </a:r>
             <a:r>
-              <a:rPr lang="en-US" dirty="0"/>
-              <a:t> </a:t>
-            </a:r>
-            <a:r>
-              <a:rPr lang="en-US" dirty="0" err="1"/>
+              <a:rPr lang="en-US" b="1" dirty="0"/>
+              <a:t> </a:t>
+            </a:r>
+            <a:r>
+              <a:rPr lang="en-US" b="1" dirty="0" err="1"/>
               <a:t>için</a:t>
             </a:r>
             <a:r>
-              <a:rPr lang="en-US" dirty="0"/>
-              <a:t> </a:t>
-            </a:r>
-            <a:r>
-              <a:rPr lang="en-US" dirty="0" err="1"/>
+              <a:rPr lang="en-US" b="1" dirty="0"/>
+              <a:t> </a:t>
+            </a:r>
+            <a:r>
+              <a:rPr lang="en-US" b="1" dirty="0" err="1"/>
               <a:t>bir</a:t>
             </a:r>
             <a:r>
-              <a:rPr lang="en-US" dirty="0"/>
+              <a:rPr lang="en-US" b="1" dirty="0"/>
               <a:t> </a:t>
             </a:r>
             <a:r>
@@ -22979,11 +23404,7 @@
             </a:r>
             <a:r>
               <a:rPr lang="en-US" b="1" dirty="0" err="1"/>
-              <a:t>kütüphanesi</a:t>
-            </a:r>
-            <a:r>
-              <a:rPr lang="en-US" dirty="0" err="1"/>
-              <a:t>dir</a:t>
+              <a:t>kütüphanesidir</a:t>
             </a:r>
             <a:r>
               <a:rPr lang="en-US" dirty="0"/>
@@ -23295,7 +23716,7 @@
           <a:p>
             <a:fld id="{B5FABE4D-60AF-4014-813B-6063C03839D2}" type="slidenum">
               <a:rPr lang="en-US" smtClean="0"/>
-              <a:t>24</a:t>
+              <a:t>25</a:t>
             </a:fld>
             <a:endParaRPr lang="en-US"/>
           </a:p>
@@ -23361,7 +23782,7 @@
 </p:sld>
 </file>
 
-<file path=ppt/slides/slide25.xml><?xml version="1.0" encoding="utf-8"?>
+<file path=ppt/slides/slide26.xml><?xml version="1.0" encoding="utf-8"?>
 <p:sld xmlns:a="http://schemas.openxmlformats.org/drawingml/2006/main" xmlns:r="http://schemas.openxmlformats.org/officeDocument/2006/relationships" xmlns:p="http://schemas.openxmlformats.org/presentationml/2006/main">
   <p:cSld>
     <p:spTree>
@@ -23445,19 +23866,19 @@
               <a:t> </a:t>
             </a:r>
             <a:r>
-              <a:rPr lang="en-US" dirty="0" err="1"/>
+              <a:rPr lang="en-US" b="1" dirty="0" err="1"/>
               <a:t>kaynak</a:t>
             </a:r>
             <a:r>
-              <a:rPr lang="en-US" dirty="0"/>
-              <a:t> </a:t>
-            </a:r>
-            <a:r>
-              <a:rPr lang="en-US" dirty="0" err="1"/>
+              <a:rPr lang="en-US" b="1" dirty="0"/>
+              <a:t> </a:t>
+            </a:r>
+            <a:r>
+              <a:rPr lang="en-US" b="1" dirty="0" err="1"/>
               <a:t>düzeyinde</a:t>
             </a:r>
             <a:r>
-              <a:rPr lang="en-US" dirty="0"/>
+              <a:rPr lang="en-US" b="1" dirty="0"/>
               <a:t> API </a:t>
             </a:r>
             <a:r>
@@ -23485,19 +23906,19 @@
               <a:t> </a:t>
             </a:r>
             <a:r>
-              <a:rPr lang="en-US" dirty="0" err="1"/>
+              <a:rPr lang="en-US" b="1" dirty="0" err="1"/>
               <a:t>özelliklerini</a:t>
             </a:r>
             <a:r>
-              <a:rPr lang="en-US" dirty="0"/>
-              <a:t> </a:t>
-            </a:r>
-            <a:r>
-              <a:rPr lang="en-US" dirty="0" err="1"/>
+              <a:rPr lang="en-US" b="1" dirty="0"/>
+              <a:t> </a:t>
+            </a:r>
+            <a:r>
+              <a:rPr lang="en-US" b="1" dirty="0" err="1"/>
               <a:t>bilmeden</a:t>
             </a:r>
             <a:r>
-              <a:rPr lang="en-US" dirty="0"/>
+              <a:rPr lang="en-US" b="1" dirty="0"/>
               <a:t> </a:t>
             </a:r>
             <a:r>
@@ -23705,28 +24126,32 @@
               <a:t>, </a:t>
             </a:r>
             <a:r>
-              <a:rPr lang="en-US" dirty="0" err="1"/>
+              <a:rPr lang="en-US" b="1" dirty="0" err="1"/>
               <a:t>bayt</a:t>
             </a:r>
             <a:r>
-              <a:rPr lang="en-US" dirty="0"/>
-              <a:t> </a:t>
-            </a:r>
-            <a:r>
-              <a:rPr lang="en-US" dirty="0" err="1"/>
+              <a:rPr lang="en-US" b="1" dirty="0"/>
+              <a:t> </a:t>
+            </a:r>
+            <a:r>
+              <a:rPr lang="en-US" b="1" dirty="0" err="1"/>
               <a:t>kodu</a:t>
             </a:r>
             <a:r>
-              <a:rPr lang="en-US" dirty="0"/>
-              <a:t> </a:t>
-            </a:r>
-            <a:r>
-              <a:rPr lang="en-US" dirty="0" err="1"/>
+              <a:rPr lang="en-US" b="1" dirty="0"/>
+              <a:t> </a:t>
+            </a:r>
+            <a:r>
+              <a:rPr lang="en-US" b="1" dirty="0" err="1"/>
               <a:t>düzeyindeki</a:t>
             </a:r>
             <a:r>
-              <a:rPr lang="en-US" dirty="0"/>
-              <a:t> API, </a:t>
+              <a:rPr lang="en-US" b="1" dirty="0"/>
+              <a:t> API</a:t>
+            </a:r>
+            <a:r>
+              <a:rPr lang="en-US" dirty="0"/>
+              <a:t>, </a:t>
             </a:r>
             <a:r>
               <a:rPr lang="en-US" dirty="0" err="1"/>
@@ -23874,7 +24299,7 @@
           <a:p>
             <a:fld id="{B5FABE4D-60AF-4014-813B-6063C03839D2}" type="slidenum">
               <a:rPr lang="en-US" smtClean="0"/>
-              <a:t>25</a:t>
+              <a:t>26</a:t>
             </a:fld>
             <a:endParaRPr lang="en-US"/>
           </a:p>
@@ -23940,7 +24365,7 @@
 </p:sld>
 </file>
 
-<file path=ppt/slides/slide26.xml><?xml version="1.0" encoding="utf-8"?>
+<file path=ppt/slides/slide27.xml><?xml version="1.0" encoding="utf-8"?>
 <p:sld xmlns:a="http://schemas.openxmlformats.org/drawingml/2006/main" xmlns:r="http://schemas.openxmlformats.org/officeDocument/2006/relationships" xmlns:p="http://schemas.openxmlformats.org/presentationml/2006/main">
   <p:cSld>
     <p:spTree>
@@ -24036,7 +24461,7 @@
           <a:p>
             <a:fld id="{B5FABE4D-60AF-4014-813B-6063C03839D2}" type="slidenum">
               <a:rPr lang="en-US" smtClean="0"/>
-              <a:t>26</a:t>
+              <a:t>27</a:t>
             </a:fld>
             <a:endParaRPr lang="en-US"/>
           </a:p>
@@ -24108,7 +24533,7 @@
 </p:sld>
 </file>
 
-<file path=ppt/slides/slide27.xml><?xml version="1.0" encoding="utf-8"?>
+<file path=ppt/slides/slide28.xml><?xml version="1.0" encoding="utf-8"?>
 <p:sld xmlns:a="http://schemas.openxmlformats.org/drawingml/2006/main" xmlns:r="http://schemas.openxmlformats.org/officeDocument/2006/relationships" xmlns:p="http://schemas.openxmlformats.org/presentationml/2006/main">
   <p:cSld>
     <p:spTree>
@@ -24204,7 +24629,7 @@
           <a:p>
             <a:fld id="{B5FABE4D-60AF-4014-813B-6063C03839D2}" type="slidenum">
               <a:rPr lang="en-US" smtClean="0"/>
-              <a:t>27</a:t>
+              <a:t>28</a:t>
             </a:fld>
             <a:endParaRPr lang="en-US"/>
           </a:p>
@@ -24332,7 +24757,7 @@
 </p:sld>
 </file>
 
-<file path=ppt/slides/slide28.xml><?xml version="1.0" encoding="utf-8"?>
+<file path=ppt/slides/slide29.xml><?xml version="1.0" encoding="utf-8"?>
 <p:sld xmlns:a="http://schemas.openxmlformats.org/drawingml/2006/main" xmlns:r="http://schemas.openxmlformats.org/officeDocument/2006/relationships" xmlns:p="http://schemas.openxmlformats.org/presentationml/2006/main">
   <p:cSld>
     <p:spTree>
@@ -24428,7 +24853,7 @@
           <a:p>
             <a:fld id="{B5FABE4D-60AF-4014-813B-6063C03839D2}" type="slidenum">
               <a:rPr lang="en-US" smtClean="0"/>
-              <a:t>28</a:t>
+              <a:t>29</a:t>
             </a:fld>
             <a:endParaRPr lang="en-US"/>
           </a:p>
@@ -24500,7 +24925,629 @@
 </p:sld>
 </file>
 
-<file path=ppt/slides/slide29.xml><?xml version="1.0" encoding="utf-8"?>
+<file path=ppt/slides/slide3.xml><?xml version="1.0" encoding="utf-8"?>
+<p:sld xmlns:a="http://schemas.openxmlformats.org/drawingml/2006/main" xmlns:r="http://schemas.openxmlformats.org/officeDocument/2006/relationships" xmlns:p="http://schemas.openxmlformats.org/presentationml/2006/main">
+  <p:cSld>
+    <p:spTree>
+      <p:nvGrpSpPr>
+        <p:cNvPr id="1" name=""/>
+        <p:cNvGrpSpPr/>
+        <p:nvPr/>
+      </p:nvGrpSpPr>
+      <p:grpSpPr>
+        <a:xfrm>
+          <a:off x="0" y="0"/>
+          <a:ext cx="0" cy="0"/>
+          <a:chOff x="0" y="0"/>
+          <a:chExt cx="0" cy="0"/>
+        </a:xfrm>
+      </p:grpSpPr>
+      <p:sp>
+        <p:nvSpPr>
+          <p:cNvPr id="2" name="Title 1">
+            <a:extLst>
+              <a:ext uri="{FF2B5EF4-FFF2-40B4-BE49-F238E27FC236}">
+                <a16:creationId xmlns:a16="http://schemas.microsoft.com/office/drawing/2014/main" id="{4AE1BCAE-2BD3-4D6E-99CE-E503616E9194}"/>
+              </a:ext>
+            </a:extLst>
+          </p:cNvPr>
+          <p:cNvSpPr>
+            <a:spLocks noGrp="1"/>
+          </p:cNvSpPr>
+          <p:nvPr>
+            <p:ph type="title"/>
+          </p:nvPr>
+        </p:nvSpPr>
+        <p:spPr/>
+        <p:txBody>
+          <a:bodyPr/>
+          <a:lstStyle/>
+          <a:p>
+            <a:r>
+              <a:rPr lang="en-US" b="1" dirty="0"/>
+              <a:t>G</a:t>
+            </a:r>
+            <a:r>
+              <a:rPr lang="tr-TR" b="1" dirty="0"/>
+              <a:t>iriş</a:t>
+            </a:r>
+            <a:endParaRPr lang="en-US" b="1" dirty="0"/>
+          </a:p>
+        </p:txBody>
+      </p:sp>
+      <p:sp>
+        <p:nvSpPr>
+          <p:cNvPr id="3" name="Content Placeholder 2">
+            <a:extLst>
+              <a:ext uri="{FF2B5EF4-FFF2-40B4-BE49-F238E27FC236}">
+                <a16:creationId xmlns:a16="http://schemas.microsoft.com/office/drawing/2014/main" id="{BCD0973C-BAC3-410B-8E7D-0F4B2D627A64}"/>
+              </a:ext>
+            </a:extLst>
+          </p:cNvPr>
+          <p:cNvSpPr>
+            <a:spLocks noGrp="1"/>
+          </p:cNvSpPr>
+          <p:nvPr>
+            <p:ph idx="1"/>
+          </p:nvPr>
+        </p:nvSpPr>
+        <p:spPr>
+          <a:xfrm>
+            <a:off x="838200" y="1825625"/>
+            <a:ext cx="8325255" cy="4302801"/>
+          </a:xfrm>
+        </p:spPr>
+        <p:txBody>
+          <a:bodyPr>
+            <a:normAutofit lnSpcReduction="10000"/>
+          </a:bodyPr>
+          <a:lstStyle/>
+          <a:p>
+            <a:pPr algn="just"/>
+            <a:r>
+              <a:rPr lang="en-US" dirty="0" err="1"/>
+              <a:t>Tıpkı</a:t>
+            </a:r>
+            <a:r>
+              <a:rPr lang="en-US" dirty="0"/>
+              <a:t> c </a:t>
+            </a:r>
+            <a:r>
+              <a:rPr lang="en-US" dirty="0" err="1"/>
+              <a:t>ve</a:t>
+            </a:r>
+            <a:r>
+              <a:rPr lang="en-US" dirty="0"/>
+              <a:t> </a:t>
+            </a:r>
+            <a:r>
+              <a:rPr lang="en-US" dirty="0" err="1"/>
+              <a:t>c++</a:t>
+            </a:r>
+            <a:r>
+              <a:rPr lang="en-US" dirty="0"/>
+              <a:t> </a:t>
+            </a:r>
+            <a:r>
+              <a:rPr lang="en-US" dirty="0" err="1"/>
+              <a:t>derleyicilerini</a:t>
+            </a:r>
+            <a:r>
+              <a:rPr lang="en-US" dirty="0"/>
+              <a:t> assembler </a:t>
+            </a:r>
+            <a:r>
+              <a:rPr lang="en-US" dirty="0" err="1"/>
+              <a:t>temsil</a:t>
+            </a:r>
+            <a:r>
+              <a:rPr lang="en-US" dirty="0"/>
+              <a:t> </a:t>
+            </a:r>
+            <a:r>
+              <a:rPr lang="en-US" dirty="0" err="1"/>
+              <a:t>ettiği</a:t>
+            </a:r>
+            <a:r>
+              <a:rPr lang="en-US" dirty="0"/>
+              <a:t> </a:t>
+            </a:r>
+            <a:r>
+              <a:rPr lang="en-US" dirty="0" err="1"/>
+              <a:t>gibi</a:t>
+            </a:r>
+            <a:r>
+              <a:rPr lang="en-US" dirty="0"/>
+              <a:t> java </a:t>
+            </a:r>
+            <a:r>
+              <a:rPr lang="en-US" dirty="0" err="1"/>
+              <a:t>programlarını</a:t>
+            </a:r>
+            <a:r>
+              <a:rPr lang="en-US" dirty="0"/>
+              <a:t> da </a:t>
+            </a:r>
+            <a:r>
+              <a:rPr lang="en-US" b="1" dirty="0"/>
+              <a:t>byte code </a:t>
+            </a:r>
+            <a:r>
+              <a:rPr lang="en-US" dirty="0" err="1"/>
+              <a:t>temsil</a:t>
+            </a:r>
+            <a:r>
+              <a:rPr lang="en-US" dirty="0"/>
+              <a:t> </a:t>
+            </a:r>
+            <a:r>
+              <a:rPr lang="en-US" dirty="0" err="1"/>
+              <a:t>etmektedir</a:t>
+            </a:r>
+            <a:r>
+              <a:rPr lang="en-US" dirty="0"/>
+              <a:t>. </a:t>
+            </a:r>
+            <a:endParaRPr lang="tr-TR" dirty="0"/>
+          </a:p>
+          <a:p>
+            <a:pPr algn="just"/>
+            <a:r>
+              <a:rPr lang="en-US" dirty="0"/>
+              <a:t>Bayt </a:t>
+            </a:r>
+            <a:r>
+              <a:rPr lang="en-US" dirty="0" err="1"/>
+              <a:t>kodu</a:t>
+            </a:r>
+            <a:r>
+              <a:rPr lang="en-US" dirty="0"/>
+              <a:t> </a:t>
+            </a:r>
+            <a:r>
+              <a:rPr lang="en-US" dirty="0" err="1"/>
+              <a:t>sizin</a:t>
+            </a:r>
+            <a:r>
+              <a:rPr lang="en-US" dirty="0"/>
+              <a:t> </a:t>
+            </a:r>
+            <a:r>
+              <a:rPr lang="en-US" dirty="0" err="1"/>
+              <a:t>yazdığınız</a:t>
+            </a:r>
+            <a:r>
+              <a:rPr lang="en-US" dirty="0"/>
+              <a:t> </a:t>
+            </a:r>
+            <a:r>
+              <a:rPr lang="en-US" dirty="0" err="1"/>
+              <a:t>programınızdır</a:t>
+            </a:r>
+            <a:r>
+              <a:rPr lang="en-US" dirty="0"/>
+              <a:t>.   </a:t>
+            </a:r>
+            <a:endParaRPr lang="tr-TR" dirty="0"/>
+          </a:p>
+          <a:p>
+            <a:pPr algn="just"/>
+            <a:r>
+              <a:rPr lang="en-US" dirty="0"/>
+              <a:t>Java </a:t>
+            </a:r>
+            <a:r>
+              <a:rPr lang="en-US" dirty="0" err="1"/>
+              <a:t>derleyicisinin</a:t>
+            </a:r>
+            <a:r>
+              <a:rPr lang="en-US" dirty="0"/>
+              <a:t> </a:t>
+            </a:r>
+            <a:r>
+              <a:rPr lang="en-US" dirty="0" err="1"/>
+              <a:t>çıktı</a:t>
+            </a:r>
+            <a:r>
+              <a:rPr lang="tr-TR" dirty="0" err="1"/>
+              <a:t>lar</a:t>
+            </a:r>
+            <a:r>
+              <a:rPr lang="en-US" dirty="0"/>
+              <a:t>ı </a:t>
+            </a:r>
+            <a:r>
+              <a:rPr lang="en-US" dirty="0" err="1"/>
+              <a:t>yürütülebilir</a:t>
+            </a:r>
+            <a:r>
+              <a:rPr lang="en-US" dirty="0"/>
+              <a:t> </a:t>
+            </a:r>
+            <a:r>
+              <a:rPr lang="en-US" dirty="0" err="1"/>
+              <a:t>bir</a:t>
+            </a:r>
+            <a:r>
+              <a:rPr lang="en-US" dirty="0"/>
+              <a:t> </a:t>
+            </a:r>
+            <a:r>
+              <a:rPr lang="en-US" dirty="0" err="1"/>
+              <a:t>kod</a:t>
+            </a:r>
+            <a:r>
+              <a:rPr lang="en-US" dirty="0"/>
+              <a:t> </a:t>
+            </a:r>
+            <a:r>
+              <a:rPr lang="en-US" dirty="0" err="1"/>
+              <a:t>olmadığı</a:t>
+            </a:r>
+            <a:r>
+              <a:rPr lang="en-US" dirty="0"/>
+              <a:t> </a:t>
+            </a:r>
+            <a:r>
+              <a:rPr lang="en-US" dirty="0" err="1"/>
+              <a:t>için</a:t>
+            </a:r>
+            <a:r>
+              <a:rPr lang="en-US" dirty="0"/>
+              <a:t> </a:t>
+            </a:r>
+            <a:r>
+              <a:rPr lang="en-US" dirty="0" err="1"/>
+              <a:t>bayt</a:t>
+            </a:r>
+            <a:r>
+              <a:rPr lang="en-US" dirty="0"/>
+              <a:t> </a:t>
+            </a:r>
+            <a:r>
+              <a:rPr lang="tr-TR" dirty="0"/>
+              <a:t>code</a:t>
+            </a:r>
+            <a:r>
+              <a:rPr lang="en-US" dirty="0"/>
+              <a:t> </a:t>
+            </a:r>
+            <a:r>
+              <a:rPr lang="en-US" dirty="0" err="1"/>
+              <a:t>kullanmak</a:t>
+            </a:r>
+            <a:r>
+              <a:rPr lang="en-US" dirty="0"/>
+              <a:t> </a:t>
+            </a:r>
+            <a:r>
+              <a:rPr lang="en-US" dirty="0" err="1"/>
+              <a:t>zorundadır</a:t>
+            </a:r>
+            <a:r>
+              <a:rPr lang="en-US" dirty="0"/>
+              <a:t>. Bayt </a:t>
+            </a:r>
+            <a:r>
+              <a:rPr lang="tr-TR" dirty="0"/>
+              <a:t>code</a:t>
+            </a:r>
+            <a:r>
+              <a:rPr lang="en-US" dirty="0"/>
+              <a:t>, </a:t>
+            </a:r>
+            <a:r>
+              <a:rPr lang="en-US" dirty="0" err="1"/>
+              <a:t>yorumlama</a:t>
+            </a:r>
+            <a:r>
+              <a:rPr lang="en-US" dirty="0"/>
+              <a:t> </a:t>
+            </a:r>
+            <a:r>
+              <a:rPr lang="en-US" dirty="0" err="1"/>
+              <a:t>amacıyla</a:t>
+            </a:r>
+            <a:r>
+              <a:rPr lang="en-US" dirty="0"/>
+              <a:t> </a:t>
+            </a:r>
+            <a:r>
+              <a:rPr lang="en-US" dirty="0" err="1"/>
+              <a:t>kullanılmak</a:t>
+            </a:r>
+            <a:r>
+              <a:rPr lang="en-US" dirty="0"/>
+              <a:t> </a:t>
+            </a:r>
+            <a:r>
+              <a:rPr lang="en-US" dirty="0" err="1"/>
+              <a:t>için</a:t>
+            </a:r>
+            <a:r>
+              <a:rPr lang="en-US" dirty="0"/>
+              <a:t> </a:t>
+            </a:r>
+            <a:r>
+              <a:rPr lang="en-US" b="1" dirty="0"/>
+              <a:t>java </a:t>
+            </a:r>
+            <a:r>
+              <a:rPr lang="en-US" b="1" dirty="0" err="1"/>
+              <a:t>sanal</a:t>
+            </a:r>
+            <a:r>
+              <a:rPr lang="en-US" b="1" dirty="0"/>
+              <a:t> </a:t>
+            </a:r>
+            <a:r>
+              <a:rPr lang="en-US" b="1" dirty="0" err="1"/>
+              <a:t>makina</a:t>
+            </a:r>
+            <a:r>
+              <a:rPr lang="tr-TR" b="1" dirty="0"/>
+              <a:t>sı</a:t>
+            </a:r>
+            <a:r>
+              <a:rPr lang="en-US" b="1" dirty="0"/>
+              <a:t> (java virtual machine)</a:t>
+            </a:r>
+            <a:r>
+              <a:rPr lang="en-US" dirty="0"/>
+              <a:t> </a:t>
+            </a:r>
+            <a:r>
+              <a:rPr lang="en-US" dirty="0" err="1"/>
+              <a:t>tarafından</a:t>
+            </a:r>
+            <a:r>
+              <a:rPr lang="en-US" dirty="0"/>
+              <a:t> </a:t>
+            </a:r>
+            <a:r>
+              <a:rPr lang="en-US" dirty="0" err="1"/>
+              <a:t>yürütme</a:t>
+            </a:r>
+            <a:r>
+              <a:rPr lang="en-US" dirty="0"/>
+              <a:t> </a:t>
+            </a:r>
+            <a:r>
+              <a:rPr lang="en-US" dirty="0" err="1"/>
+              <a:t>zamanında</a:t>
+            </a:r>
+            <a:r>
+              <a:rPr lang="en-US" dirty="0"/>
+              <a:t> </a:t>
+            </a:r>
+            <a:r>
+              <a:rPr lang="en-US" dirty="0" err="1"/>
+              <a:t>çok</a:t>
+            </a:r>
+            <a:r>
+              <a:rPr lang="en-US" dirty="0"/>
+              <a:t> </a:t>
+            </a:r>
+            <a:r>
+              <a:rPr lang="en-US" dirty="0" err="1"/>
+              <a:t>iyi</a:t>
+            </a:r>
+            <a:r>
+              <a:rPr lang="en-US" dirty="0"/>
+              <a:t> </a:t>
+            </a:r>
+            <a:r>
+              <a:rPr lang="en-US" dirty="0" err="1"/>
+              <a:t>bir</a:t>
+            </a:r>
+            <a:r>
+              <a:rPr lang="en-US" dirty="0"/>
+              <a:t> </a:t>
+            </a:r>
+            <a:r>
+              <a:rPr lang="en-US" dirty="0" err="1"/>
+              <a:t>şekilde</a:t>
+            </a:r>
+            <a:r>
+              <a:rPr lang="en-US" dirty="0"/>
+              <a:t> </a:t>
+            </a:r>
+            <a:r>
+              <a:rPr lang="en-US" b="1" dirty="0"/>
+              <a:t>optimize</a:t>
+            </a:r>
+            <a:r>
+              <a:rPr lang="en-US" dirty="0"/>
+              <a:t> </a:t>
+            </a:r>
+            <a:r>
+              <a:rPr lang="en-US" dirty="0" err="1"/>
+              <a:t>edilmektedir</a:t>
+            </a:r>
+            <a:r>
+              <a:rPr lang="en-US" dirty="0"/>
+              <a:t>. </a:t>
+            </a:r>
+            <a:endParaRPr lang="tr-TR" dirty="0"/>
+          </a:p>
+          <a:p>
+            <a:pPr algn="just"/>
+            <a:r>
+              <a:rPr lang="en-US" dirty="0"/>
+              <a:t>Bayt </a:t>
+            </a:r>
+            <a:r>
+              <a:rPr lang="tr-TR" dirty="0"/>
+              <a:t>code</a:t>
+            </a:r>
+            <a:r>
+              <a:rPr lang="en-US" dirty="0"/>
+              <a:t> </a:t>
+            </a:r>
+            <a:r>
+              <a:rPr lang="en-US" dirty="0" err="1"/>
+              <a:t>aracılığıyla</a:t>
+            </a:r>
+            <a:r>
+              <a:rPr lang="en-US" dirty="0"/>
+              <a:t>, </a:t>
+            </a:r>
+            <a:r>
+              <a:rPr lang="en-US" dirty="0" err="1"/>
+              <a:t>bir</a:t>
+            </a:r>
+            <a:r>
+              <a:rPr lang="en-US" dirty="0"/>
+              <a:t> java </a:t>
+            </a:r>
+            <a:r>
+              <a:rPr lang="en-US" dirty="0" err="1"/>
+              <a:t>programı</a:t>
+            </a:r>
+            <a:r>
+              <a:rPr lang="en-US" dirty="0"/>
+              <a:t> </a:t>
+            </a:r>
+            <a:r>
+              <a:rPr lang="en-US" dirty="0" err="1"/>
+              <a:t>birçok</a:t>
+            </a:r>
+            <a:r>
+              <a:rPr lang="en-US" dirty="0"/>
+              <a:t> </a:t>
+            </a:r>
+            <a:r>
+              <a:rPr lang="en-US" dirty="0" err="1"/>
+              <a:t>değişik</a:t>
+            </a:r>
+            <a:r>
+              <a:rPr lang="en-US" dirty="0"/>
+              <a:t> </a:t>
+            </a:r>
+            <a:r>
+              <a:rPr lang="en-US" dirty="0" err="1"/>
+              <a:t>ortamda</a:t>
+            </a:r>
+            <a:r>
+              <a:rPr lang="en-US" dirty="0"/>
+              <a:t> </a:t>
+            </a:r>
+            <a:r>
+              <a:rPr lang="en-US" dirty="0" err="1"/>
+              <a:t>çalıştırılabilmektedir</a:t>
+            </a:r>
+            <a:r>
+              <a:rPr lang="en-US" dirty="0"/>
+              <a:t>. </a:t>
+            </a:r>
+            <a:endParaRPr lang="tr-TR" dirty="0"/>
+          </a:p>
+        </p:txBody>
+      </p:sp>
+      <p:sp>
+        <p:nvSpPr>
+          <p:cNvPr id="4" name="Footer Placeholder 3">
+            <a:extLst>
+              <a:ext uri="{FF2B5EF4-FFF2-40B4-BE49-F238E27FC236}">
+                <a16:creationId xmlns:a16="http://schemas.microsoft.com/office/drawing/2014/main" id="{1C278DAF-474C-4209-A937-A00D6A0E0AED}"/>
+              </a:ext>
+            </a:extLst>
+          </p:cNvPr>
+          <p:cNvSpPr>
+            <a:spLocks noGrp="1"/>
+          </p:cNvSpPr>
+          <p:nvPr>
+            <p:ph type="ftr" sz="quarter" idx="11"/>
+          </p:nvPr>
+        </p:nvSpPr>
+        <p:spPr/>
+        <p:txBody>
+          <a:bodyPr/>
+          <a:lstStyle/>
+          <a:p>
+            <a:r>
+              <a:rPr lang="en-US"/>
+              <a:t>Bytecode Üzerinden Bir Java Programının Analizi - S GENÇ</a:t>
+            </a:r>
+          </a:p>
+        </p:txBody>
+      </p:sp>
+      <p:sp>
+        <p:nvSpPr>
+          <p:cNvPr id="5" name="Slide Number Placeholder 4">
+            <a:extLst>
+              <a:ext uri="{FF2B5EF4-FFF2-40B4-BE49-F238E27FC236}">
+                <a16:creationId xmlns:a16="http://schemas.microsoft.com/office/drawing/2014/main" id="{1A2A953A-829D-4B21-BC21-6B0E0968C7EC}"/>
+              </a:ext>
+            </a:extLst>
+          </p:cNvPr>
+          <p:cNvSpPr>
+            <a:spLocks noGrp="1"/>
+          </p:cNvSpPr>
+          <p:nvPr>
+            <p:ph type="sldNum" sz="quarter" idx="12"/>
+          </p:nvPr>
+        </p:nvSpPr>
+        <p:spPr/>
+        <p:txBody>
+          <a:bodyPr/>
+          <a:lstStyle/>
+          <a:p>
+            <a:fld id="{B5FABE4D-60AF-4014-813B-6063C03839D2}" type="slidenum">
+              <a:rPr lang="en-US" smtClean="0"/>
+              <a:t>3</a:t>
+            </a:fld>
+            <a:endParaRPr lang="en-US" dirty="0"/>
+          </a:p>
+        </p:txBody>
+      </p:sp>
+      <p:pic>
+        <p:nvPicPr>
+          <p:cNvPr id="6" name="Picture 10"/>
+          <p:cNvPicPr/>
+          <p:nvPr/>
+        </p:nvPicPr>
+        <p:blipFill>
+          <a:blip r:embed="rId3">
+            <a:extLst>
+              <a:ext uri="{28A0092B-C50C-407E-A947-70E740481C1C}">
+                <a14:useLocalDpi xmlns:a14="http://schemas.microsoft.com/office/drawing/2010/main" val="0"/>
+              </a:ext>
+            </a:extLst>
+          </a:blip>
+          <a:srcRect/>
+          <a:stretch>
+            <a:fillRect/>
+          </a:stretch>
+        </p:blipFill>
+        <p:spPr bwMode="auto">
+          <a:xfrm>
+            <a:off x="9435830" y="540223"/>
+            <a:ext cx="2093649" cy="5588203"/>
+          </a:xfrm>
+          <a:prstGeom prst="rect">
+            <a:avLst/>
+          </a:prstGeom>
+          <a:noFill/>
+          <a:ln>
+            <a:noFill/>
+          </a:ln>
+        </p:spPr>
+      </p:pic>
+    </p:spTree>
+    <p:extLst>
+      <p:ext uri="{BB962C8B-B14F-4D97-AF65-F5344CB8AC3E}">
+        <p14:creationId xmlns:p14="http://schemas.microsoft.com/office/powerpoint/2010/main" val="748459898"/>
+      </p:ext>
+    </p:extLst>
+  </p:cSld>
+  <p:clrMapOvr>
+    <a:masterClrMapping/>
+  </p:clrMapOvr>
+</p:sld>
+</file>
+
+<file path=ppt/slides/slide30.xml><?xml version="1.0" encoding="utf-8"?>
 <p:sld xmlns:a="http://schemas.openxmlformats.org/drawingml/2006/main" xmlns:r="http://schemas.openxmlformats.org/officeDocument/2006/relationships" xmlns:p="http://schemas.openxmlformats.org/presentationml/2006/main">
   <p:cSld>
     <p:spTree>
@@ -24596,7 +25643,7 @@
           <a:p>
             <a:fld id="{B5FABE4D-60AF-4014-813B-6063C03839D2}" type="slidenum">
               <a:rPr lang="en-US" smtClean="0"/>
-              <a:t>29</a:t>
+              <a:t>30</a:t>
             </a:fld>
             <a:endParaRPr lang="en-US"/>
           </a:p>
@@ -24724,629 +25771,7 @@
 </p:sld>
 </file>
 
-<file path=ppt/slides/slide3.xml><?xml version="1.0" encoding="utf-8"?>
-<p:sld xmlns:a="http://schemas.openxmlformats.org/drawingml/2006/main" xmlns:r="http://schemas.openxmlformats.org/officeDocument/2006/relationships" xmlns:p="http://schemas.openxmlformats.org/presentationml/2006/main">
-  <p:cSld>
-    <p:spTree>
-      <p:nvGrpSpPr>
-        <p:cNvPr id="1" name=""/>
-        <p:cNvGrpSpPr/>
-        <p:nvPr/>
-      </p:nvGrpSpPr>
-      <p:grpSpPr>
-        <a:xfrm>
-          <a:off x="0" y="0"/>
-          <a:ext cx="0" cy="0"/>
-          <a:chOff x="0" y="0"/>
-          <a:chExt cx="0" cy="0"/>
-        </a:xfrm>
-      </p:grpSpPr>
-      <p:sp>
-        <p:nvSpPr>
-          <p:cNvPr id="2" name="Title 1">
-            <a:extLst>
-              <a:ext uri="{FF2B5EF4-FFF2-40B4-BE49-F238E27FC236}">
-                <a16:creationId xmlns:a16="http://schemas.microsoft.com/office/drawing/2014/main" id="{4AE1BCAE-2BD3-4D6E-99CE-E503616E9194}"/>
-              </a:ext>
-            </a:extLst>
-          </p:cNvPr>
-          <p:cNvSpPr>
-            <a:spLocks noGrp="1"/>
-          </p:cNvSpPr>
-          <p:nvPr>
-            <p:ph type="title"/>
-          </p:nvPr>
-        </p:nvSpPr>
-        <p:spPr/>
-        <p:txBody>
-          <a:bodyPr/>
-          <a:lstStyle/>
-          <a:p>
-            <a:r>
-              <a:rPr lang="en-US" b="1" dirty="0"/>
-              <a:t>G</a:t>
-            </a:r>
-            <a:r>
-              <a:rPr lang="tr-TR" b="1" dirty="0"/>
-              <a:t>iriş</a:t>
-            </a:r>
-            <a:endParaRPr lang="en-US" b="1" dirty="0"/>
-          </a:p>
-        </p:txBody>
-      </p:sp>
-      <p:sp>
-        <p:nvSpPr>
-          <p:cNvPr id="3" name="Content Placeholder 2">
-            <a:extLst>
-              <a:ext uri="{FF2B5EF4-FFF2-40B4-BE49-F238E27FC236}">
-                <a16:creationId xmlns:a16="http://schemas.microsoft.com/office/drawing/2014/main" id="{BCD0973C-BAC3-410B-8E7D-0F4B2D627A64}"/>
-              </a:ext>
-            </a:extLst>
-          </p:cNvPr>
-          <p:cNvSpPr>
-            <a:spLocks noGrp="1"/>
-          </p:cNvSpPr>
-          <p:nvPr>
-            <p:ph idx="1"/>
-          </p:nvPr>
-        </p:nvSpPr>
-        <p:spPr>
-          <a:xfrm>
-            <a:off x="838200" y="1825625"/>
-            <a:ext cx="8325255" cy="4302801"/>
-          </a:xfrm>
-        </p:spPr>
-        <p:txBody>
-          <a:bodyPr>
-            <a:normAutofit lnSpcReduction="10000"/>
-          </a:bodyPr>
-          <a:lstStyle/>
-          <a:p>
-            <a:pPr algn="just"/>
-            <a:r>
-              <a:rPr lang="en-US" dirty="0" err="1"/>
-              <a:t>Tıpkı</a:t>
-            </a:r>
-            <a:r>
-              <a:rPr lang="en-US" dirty="0"/>
-              <a:t> c </a:t>
-            </a:r>
-            <a:r>
-              <a:rPr lang="en-US" dirty="0" err="1"/>
-              <a:t>ve</a:t>
-            </a:r>
-            <a:r>
-              <a:rPr lang="en-US" dirty="0"/>
-              <a:t> </a:t>
-            </a:r>
-            <a:r>
-              <a:rPr lang="en-US" dirty="0" err="1"/>
-              <a:t>c++</a:t>
-            </a:r>
-            <a:r>
-              <a:rPr lang="en-US" dirty="0"/>
-              <a:t> </a:t>
-            </a:r>
-            <a:r>
-              <a:rPr lang="en-US" dirty="0" err="1"/>
-              <a:t>derleyicilerini</a:t>
-            </a:r>
-            <a:r>
-              <a:rPr lang="en-US" dirty="0"/>
-              <a:t> assembler </a:t>
-            </a:r>
-            <a:r>
-              <a:rPr lang="en-US" dirty="0" err="1"/>
-              <a:t>temsil</a:t>
-            </a:r>
-            <a:r>
-              <a:rPr lang="en-US" dirty="0"/>
-              <a:t> </a:t>
-            </a:r>
-            <a:r>
-              <a:rPr lang="en-US" dirty="0" err="1"/>
-              <a:t>ettiği</a:t>
-            </a:r>
-            <a:r>
-              <a:rPr lang="en-US" dirty="0"/>
-              <a:t> </a:t>
-            </a:r>
-            <a:r>
-              <a:rPr lang="en-US" dirty="0" err="1"/>
-              <a:t>gibi</a:t>
-            </a:r>
-            <a:r>
-              <a:rPr lang="en-US" dirty="0"/>
-              <a:t> java </a:t>
-            </a:r>
-            <a:r>
-              <a:rPr lang="en-US" dirty="0" err="1"/>
-              <a:t>programlarını</a:t>
-            </a:r>
-            <a:r>
-              <a:rPr lang="en-US" dirty="0"/>
-              <a:t> da </a:t>
-            </a:r>
-            <a:r>
-              <a:rPr lang="en-US" b="1" dirty="0"/>
-              <a:t>byte code </a:t>
-            </a:r>
-            <a:r>
-              <a:rPr lang="en-US" dirty="0" err="1"/>
-              <a:t>temsil</a:t>
-            </a:r>
-            <a:r>
-              <a:rPr lang="en-US" dirty="0"/>
-              <a:t> </a:t>
-            </a:r>
-            <a:r>
-              <a:rPr lang="en-US" dirty="0" err="1"/>
-              <a:t>etmektedir</a:t>
-            </a:r>
-            <a:r>
-              <a:rPr lang="en-US" dirty="0"/>
-              <a:t>. </a:t>
-            </a:r>
-            <a:endParaRPr lang="tr-TR" dirty="0"/>
-          </a:p>
-          <a:p>
-            <a:pPr algn="just"/>
-            <a:r>
-              <a:rPr lang="en-US" dirty="0"/>
-              <a:t>Bayt </a:t>
-            </a:r>
-            <a:r>
-              <a:rPr lang="en-US" dirty="0" err="1"/>
-              <a:t>kodu</a:t>
-            </a:r>
-            <a:r>
-              <a:rPr lang="en-US" dirty="0"/>
-              <a:t> </a:t>
-            </a:r>
-            <a:r>
-              <a:rPr lang="en-US" dirty="0" err="1"/>
-              <a:t>sizin</a:t>
-            </a:r>
-            <a:r>
-              <a:rPr lang="en-US" dirty="0"/>
-              <a:t> </a:t>
-            </a:r>
-            <a:r>
-              <a:rPr lang="en-US" dirty="0" err="1"/>
-              <a:t>yazdığınız</a:t>
-            </a:r>
-            <a:r>
-              <a:rPr lang="en-US" dirty="0"/>
-              <a:t> </a:t>
-            </a:r>
-            <a:r>
-              <a:rPr lang="en-US" dirty="0" err="1"/>
-              <a:t>programınızdır</a:t>
-            </a:r>
-            <a:r>
-              <a:rPr lang="en-US" dirty="0"/>
-              <a:t>.   </a:t>
-            </a:r>
-            <a:endParaRPr lang="tr-TR" dirty="0"/>
-          </a:p>
-          <a:p>
-            <a:pPr algn="just"/>
-            <a:r>
-              <a:rPr lang="en-US" dirty="0"/>
-              <a:t>Java </a:t>
-            </a:r>
-            <a:r>
-              <a:rPr lang="en-US" dirty="0" err="1"/>
-              <a:t>derleyicisinin</a:t>
-            </a:r>
-            <a:r>
-              <a:rPr lang="en-US" dirty="0"/>
-              <a:t> </a:t>
-            </a:r>
-            <a:r>
-              <a:rPr lang="en-US" dirty="0" err="1"/>
-              <a:t>çıktı</a:t>
-            </a:r>
-            <a:r>
-              <a:rPr lang="tr-TR" dirty="0" err="1"/>
-              <a:t>lar</a:t>
-            </a:r>
-            <a:r>
-              <a:rPr lang="en-US" dirty="0"/>
-              <a:t>ı </a:t>
-            </a:r>
-            <a:r>
-              <a:rPr lang="en-US" dirty="0" err="1"/>
-              <a:t>yürütülebilir</a:t>
-            </a:r>
-            <a:r>
-              <a:rPr lang="en-US" dirty="0"/>
-              <a:t> </a:t>
-            </a:r>
-            <a:r>
-              <a:rPr lang="en-US" dirty="0" err="1"/>
-              <a:t>bir</a:t>
-            </a:r>
-            <a:r>
-              <a:rPr lang="en-US" dirty="0"/>
-              <a:t> </a:t>
-            </a:r>
-            <a:r>
-              <a:rPr lang="en-US" dirty="0" err="1"/>
-              <a:t>kod</a:t>
-            </a:r>
-            <a:r>
-              <a:rPr lang="en-US" dirty="0"/>
-              <a:t> </a:t>
-            </a:r>
-            <a:r>
-              <a:rPr lang="en-US" dirty="0" err="1"/>
-              <a:t>olmadığı</a:t>
-            </a:r>
-            <a:r>
-              <a:rPr lang="en-US" dirty="0"/>
-              <a:t> </a:t>
-            </a:r>
-            <a:r>
-              <a:rPr lang="en-US" dirty="0" err="1"/>
-              <a:t>için</a:t>
-            </a:r>
-            <a:r>
-              <a:rPr lang="en-US" dirty="0"/>
-              <a:t> </a:t>
-            </a:r>
-            <a:r>
-              <a:rPr lang="en-US" dirty="0" err="1"/>
-              <a:t>bayt</a:t>
-            </a:r>
-            <a:r>
-              <a:rPr lang="en-US" dirty="0"/>
-              <a:t> </a:t>
-            </a:r>
-            <a:r>
-              <a:rPr lang="tr-TR" dirty="0"/>
-              <a:t>code</a:t>
-            </a:r>
-            <a:r>
-              <a:rPr lang="en-US" dirty="0"/>
-              <a:t> </a:t>
-            </a:r>
-            <a:r>
-              <a:rPr lang="en-US" dirty="0" err="1"/>
-              <a:t>kullanmak</a:t>
-            </a:r>
-            <a:r>
-              <a:rPr lang="en-US" dirty="0"/>
-              <a:t> </a:t>
-            </a:r>
-            <a:r>
-              <a:rPr lang="en-US" dirty="0" err="1"/>
-              <a:t>zorundadır</a:t>
-            </a:r>
-            <a:r>
-              <a:rPr lang="en-US" dirty="0"/>
-              <a:t>. Bayt </a:t>
-            </a:r>
-            <a:r>
-              <a:rPr lang="tr-TR" dirty="0"/>
-              <a:t>code</a:t>
-            </a:r>
-            <a:r>
-              <a:rPr lang="en-US" dirty="0"/>
-              <a:t>, </a:t>
-            </a:r>
-            <a:r>
-              <a:rPr lang="en-US" dirty="0" err="1"/>
-              <a:t>yorumlama</a:t>
-            </a:r>
-            <a:r>
-              <a:rPr lang="en-US" dirty="0"/>
-              <a:t> </a:t>
-            </a:r>
-            <a:r>
-              <a:rPr lang="en-US" dirty="0" err="1"/>
-              <a:t>amacıyla</a:t>
-            </a:r>
-            <a:r>
-              <a:rPr lang="en-US" dirty="0"/>
-              <a:t> </a:t>
-            </a:r>
-            <a:r>
-              <a:rPr lang="en-US" dirty="0" err="1"/>
-              <a:t>kullanılmak</a:t>
-            </a:r>
-            <a:r>
-              <a:rPr lang="en-US" dirty="0"/>
-              <a:t> </a:t>
-            </a:r>
-            <a:r>
-              <a:rPr lang="en-US" dirty="0" err="1"/>
-              <a:t>için</a:t>
-            </a:r>
-            <a:r>
-              <a:rPr lang="en-US" dirty="0"/>
-              <a:t> </a:t>
-            </a:r>
-            <a:r>
-              <a:rPr lang="en-US" b="1" dirty="0"/>
-              <a:t>java </a:t>
-            </a:r>
-            <a:r>
-              <a:rPr lang="en-US" b="1" dirty="0" err="1"/>
-              <a:t>sanal</a:t>
-            </a:r>
-            <a:r>
-              <a:rPr lang="en-US" b="1" dirty="0"/>
-              <a:t> </a:t>
-            </a:r>
-            <a:r>
-              <a:rPr lang="en-US" b="1" dirty="0" err="1"/>
-              <a:t>makina</a:t>
-            </a:r>
-            <a:r>
-              <a:rPr lang="tr-TR" b="1" dirty="0"/>
-              <a:t>sı</a:t>
-            </a:r>
-            <a:r>
-              <a:rPr lang="en-US" b="1" dirty="0"/>
-              <a:t> (java virtual machine)</a:t>
-            </a:r>
-            <a:r>
-              <a:rPr lang="en-US" dirty="0"/>
-              <a:t> </a:t>
-            </a:r>
-            <a:r>
-              <a:rPr lang="en-US" dirty="0" err="1"/>
-              <a:t>tarafından</a:t>
-            </a:r>
-            <a:r>
-              <a:rPr lang="en-US" dirty="0"/>
-              <a:t> </a:t>
-            </a:r>
-            <a:r>
-              <a:rPr lang="en-US" dirty="0" err="1"/>
-              <a:t>yürütme</a:t>
-            </a:r>
-            <a:r>
-              <a:rPr lang="en-US" dirty="0"/>
-              <a:t> </a:t>
-            </a:r>
-            <a:r>
-              <a:rPr lang="en-US" dirty="0" err="1"/>
-              <a:t>zamanında</a:t>
-            </a:r>
-            <a:r>
-              <a:rPr lang="en-US" dirty="0"/>
-              <a:t> </a:t>
-            </a:r>
-            <a:r>
-              <a:rPr lang="en-US" dirty="0" err="1"/>
-              <a:t>çok</a:t>
-            </a:r>
-            <a:r>
-              <a:rPr lang="en-US" dirty="0"/>
-              <a:t> </a:t>
-            </a:r>
-            <a:r>
-              <a:rPr lang="en-US" dirty="0" err="1"/>
-              <a:t>iyi</a:t>
-            </a:r>
-            <a:r>
-              <a:rPr lang="en-US" dirty="0"/>
-              <a:t> </a:t>
-            </a:r>
-            <a:r>
-              <a:rPr lang="en-US" dirty="0" err="1"/>
-              <a:t>bir</a:t>
-            </a:r>
-            <a:r>
-              <a:rPr lang="en-US" dirty="0"/>
-              <a:t> </a:t>
-            </a:r>
-            <a:r>
-              <a:rPr lang="en-US" dirty="0" err="1"/>
-              <a:t>şekilde</a:t>
-            </a:r>
-            <a:r>
-              <a:rPr lang="en-US" dirty="0"/>
-              <a:t> </a:t>
-            </a:r>
-            <a:r>
-              <a:rPr lang="en-US" b="1" dirty="0"/>
-              <a:t>optimize</a:t>
-            </a:r>
-            <a:r>
-              <a:rPr lang="en-US" dirty="0"/>
-              <a:t> </a:t>
-            </a:r>
-            <a:r>
-              <a:rPr lang="en-US" dirty="0" err="1"/>
-              <a:t>edilmektedir</a:t>
-            </a:r>
-            <a:r>
-              <a:rPr lang="en-US" dirty="0"/>
-              <a:t>. </a:t>
-            </a:r>
-            <a:endParaRPr lang="tr-TR" dirty="0"/>
-          </a:p>
-          <a:p>
-            <a:pPr algn="just"/>
-            <a:r>
-              <a:rPr lang="en-US" dirty="0"/>
-              <a:t>Bayt </a:t>
-            </a:r>
-            <a:r>
-              <a:rPr lang="tr-TR" dirty="0"/>
-              <a:t>code</a:t>
-            </a:r>
-            <a:r>
-              <a:rPr lang="en-US" dirty="0"/>
-              <a:t> </a:t>
-            </a:r>
-            <a:r>
-              <a:rPr lang="en-US" dirty="0" err="1"/>
-              <a:t>aracılığıyla</a:t>
-            </a:r>
-            <a:r>
-              <a:rPr lang="en-US" dirty="0"/>
-              <a:t>, </a:t>
-            </a:r>
-            <a:r>
-              <a:rPr lang="en-US" dirty="0" err="1"/>
-              <a:t>bir</a:t>
-            </a:r>
-            <a:r>
-              <a:rPr lang="en-US" dirty="0"/>
-              <a:t> java </a:t>
-            </a:r>
-            <a:r>
-              <a:rPr lang="en-US" dirty="0" err="1"/>
-              <a:t>programı</a:t>
-            </a:r>
-            <a:r>
-              <a:rPr lang="en-US" dirty="0"/>
-              <a:t> </a:t>
-            </a:r>
-            <a:r>
-              <a:rPr lang="en-US" dirty="0" err="1"/>
-              <a:t>birçok</a:t>
-            </a:r>
-            <a:r>
-              <a:rPr lang="en-US" dirty="0"/>
-              <a:t> </a:t>
-            </a:r>
-            <a:r>
-              <a:rPr lang="en-US" dirty="0" err="1"/>
-              <a:t>değişik</a:t>
-            </a:r>
-            <a:r>
-              <a:rPr lang="en-US" dirty="0"/>
-              <a:t> </a:t>
-            </a:r>
-            <a:r>
-              <a:rPr lang="en-US" dirty="0" err="1"/>
-              <a:t>ortamda</a:t>
-            </a:r>
-            <a:r>
-              <a:rPr lang="en-US" dirty="0"/>
-              <a:t> </a:t>
-            </a:r>
-            <a:r>
-              <a:rPr lang="en-US" dirty="0" err="1"/>
-              <a:t>çalıştırılabilmektedir</a:t>
-            </a:r>
-            <a:r>
-              <a:rPr lang="en-US" dirty="0"/>
-              <a:t>. </a:t>
-            </a:r>
-            <a:endParaRPr lang="tr-TR" dirty="0"/>
-          </a:p>
-        </p:txBody>
-      </p:sp>
-      <p:sp>
-        <p:nvSpPr>
-          <p:cNvPr id="4" name="Footer Placeholder 3">
-            <a:extLst>
-              <a:ext uri="{FF2B5EF4-FFF2-40B4-BE49-F238E27FC236}">
-                <a16:creationId xmlns:a16="http://schemas.microsoft.com/office/drawing/2014/main" id="{1C278DAF-474C-4209-A937-A00D6A0E0AED}"/>
-              </a:ext>
-            </a:extLst>
-          </p:cNvPr>
-          <p:cNvSpPr>
-            <a:spLocks noGrp="1"/>
-          </p:cNvSpPr>
-          <p:nvPr>
-            <p:ph type="ftr" sz="quarter" idx="11"/>
-          </p:nvPr>
-        </p:nvSpPr>
-        <p:spPr/>
-        <p:txBody>
-          <a:bodyPr/>
-          <a:lstStyle/>
-          <a:p>
-            <a:r>
-              <a:rPr lang="en-US"/>
-              <a:t>Bytecode Üzerinden Bir Java Programının Analizi - S GENÇ</a:t>
-            </a:r>
-          </a:p>
-        </p:txBody>
-      </p:sp>
-      <p:sp>
-        <p:nvSpPr>
-          <p:cNvPr id="5" name="Slide Number Placeholder 4">
-            <a:extLst>
-              <a:ext uri="{FF2B5EF4-FFF2-40B4-BE49-F238E27FC236}">
-                <a16:creationId xmlns:a16="http://schemas.microsoft.com/office/drawing/2014/main" id="{1A2A953A-829D-4B21-BC21-6B0E0968C7EC}"/>
-              </a:ext>
-            </a:extLst>
-          </p:cNvPr>
-          <p:cNvSpPr>
-            <a:spLocks noGrp="1"/>
-          </p:cNvSpPr>
-          <p:nvPr>
-            <p:ph type="sldNum" sz="quarter" idx="12"/>
-          </p:nvPr>
-        </p:nvSpPr>
-        <p:spPr/>
-        <p:txBody>
-          <a:bodyPr/>
-          <a:lstStyle/>
-          <a:p>
-            <a:fld id="{B5FABE4D-60AF-4014-813B-6063C03839D2}" type="slidenum">
-              <a:rPr lang="en-US" smtClean="0"/>
-              <a:t>3</a:t>
-            </a:fld>
-            <a:endParaRPr lang="en-US" dirty="0"/>
-          </a:p>
-        </p:txBody>
-      </p:sp>
-      <p:pic>
-        <p:nvPicPr>
-          <p:cNvPr id="6" name="Picture 10"/>
-          <p:cNvPicPr/>
-          <p:nvPr/>
-        </p:nvPicPr>
-        <p:blipFill>
-          <a:blip r:embed="rId3">
-            <a:extLst>
-              <a:ext uri="{28A0092B-C50C-407E-A947-70E740481C1C}">
-                <a14:useLocalDpi xmlns:a14="http://schemas.microsoft.com/office/drawing/2010/main" val="0"/>
-              </a:ext>
-            </a:extLst>
-          </a:blip>
-          <a:srcRect/>
-          <a:stretch>
-            <a:fillRect/>
-          </a:stretch>
-        </p:blipFill>
-        <p:spPr bwMode="auto">
-          <a:xfrm>
-            <a:off x="9435830" y="540223"/>
-            <a:ext cx="2093649" cy="5588203"/>
-          </a:xfrm>
-          <a:prstGeom prst="rect">
-            <a:avLst/>
-          </a:prstGeom>
-          <a:noFill/>
-          <a:ln>
-            <a:noFill/>
-          </a:ln>
-        </p:spPr>
-      </p:pic>
-    </p:spTree>
-    <p:extLst>
-      <p:ext uri="{BB962C8B-B14F-4D97-AF65-F5344CB8AC3E}">
-        <p14:creationId xmlns:p14="http://schemas.microsoft.com/office/powerpoint/2010/main" val="748459898"/>
-      </p:ext>
-    </p:extLst>
-  </p:cSld>
-  <p:clrMapOvr>
-    <a:masterClrMapping/>
-  </p:clrMapOvr>
-</p:sld>
-</file>
-
-<file path=ppt/slides/slide30.xml><?xml version="1.0" encoding="utf-8"?>
+<file path=ppt/slides/slide31.xml><?xml version="1.0" encoding="utf-8"?>
 <p:sld xmlns:a="http://schemas.openxmlformats.org/drawingml/2006/main" xmlns:r="http://schemas.openxmlformats.org/officeDocument/2006/relationships" xmlns:p="http://schemas.openxmlformats.org/presentationml/2006/main">
   <p:cSld>
     <p:spTree>
@@ -25673,135 +26098,135 @@
               <a:t>, </a:t>
             </a:r>
             <a:r>
-              <a:rPr lang="en-US" dirty="0" err="1"/>
+              <a:rPr lang="en-US" b="1" dirty="0" err="1"/>
               <a:t>nasıl</a:t>
             </a:r>
             <a:r>
-              <a:rPr lang="en-US" dirty="0"/>
-              <a:t> </a:t>
-            </a:r>
-            <a:r>
-              <a:rPr lang="en-US" dirty="0" err="1"/>
+              <a:rPr lang="en-US" b="1" dirty="0"/>
+              <a:t> </a:t>
+            </a:r>
+            <a:r>
+              <a:rPr lang="en-US" b="1" dirty="0" err="1"/>
               <a:t>çalıştığını</a:t>
             </a:r>
             <a:r>
-              <a:rPr lang="en-US" dirty="0"/>
-              <a:t> </a:t>
-            </a:r>
-            <a:r>
-              <a:rPr lang="en-US" dirty="0" err="1"/>
+              <a:rPr lang="en-US" b="1" dirty="0"/>
+              <a:t> </a:t>
+            </a:r>
+            <a:r>
+              <a:rPr lang="en-US" b="1" dirty="0" err="1"/>
               <a:t>bilmek</a:t>
             </a:r>
             <a:r>
-              <a:rPr lang="en-US" dirty="0"/>
-              <a:t> </a:t>
-            </a:r>
-            <a:r>
-              <a:rPr lang="en-US" dirty="0" err="1"/>
+              <a:rPr lang="en-US" b="1" dirty="0"/>
+              <a:t> </a:t>
+            </a:r>
+            <a:r>
+              <a:rPr lang="en-US" b="1" dirty="0" err="1"/>
               <a:t>ve</a:t>
             </a:r>
             <a:r>
-              <a:rPr lang="en-US" dirty="0"/>
-              <a:t> </a:t>
-            </a:r>
-            <a:r>
-              <a:rPr lang="en-US" dirty="0" err="1"/>
+              <a:rPr lang="en-US" b="1" dirty="0"/>
+              <a:t> </a:t>
+            </a:r>
+            <a:r>
+              <a:rPr lang="en-US" b="1" dirty="0" err="1"/>
               <a:t>daha</a:t>
             </a:r>
             <a:r>
-              <a:rPr lang="en-US" dirty="0"/>
+              <a:rPr lang="en-US" b="1" dirty="0"/>
               <a:t> da </a:t>
             </a:r>
             <a:r>
-              <a:rPr lang="en-US" dirty="0" err="1"/>
+              <a:rPr lang="en-US" b="1" dirty="0" err="1"/>
               <a:t>önemlisi</a:t>
             </a:r>
             <a:r>
-              <a:rPr lang="en-US" dirty="0"/>
+              <a:rPr lang="en-US" b="1" dirty="0"/>
               <a:t>, Java </a:t>
             </a:r>
             <a:r>
-              <a:rPr lang="en-US" dirty="0" err="1"/>
+              <a:rPr lang="en-US" b="1" dirty="0" err="1"/>
               <a:t>derleyicisi</a:t>
             </a:r>
             <a:r>
-              <a:rPr lang="en-US" dirty="0"/>
-              <a:t> </a:t>
-            </a:r>
-            <a:r>
-              <a:rPr lang="en-US" dirty="0" err="1"/>
+              <a:rPr lang="en-US" b="1" dirty="0"/>
+              <a:t> </a:t>
+            </a:r>
+            <a:r>
+              <a:rPr lang="en-US" b="1" dirty="0" err="1"/>
               <a:t>tarafından</a:t>
             </a:r>
             <a:r>
-              <a:rPr lang="en-US" dirty="0"/>
-              <a:t> </a:t>
-            </a:r>
-            <a:r>
-              <a:rPr lang="en-US" dirty="0" err="1"/>
+              <a:rPr lang="en-US" b="1" dirty="0"/>
+              <a:t> </a:t>
+            </a:r>
+            <a:r>
+              <a:rPr lang="en-US" b="1" dirty="0" err="1"/>
               <a:t>belirli</a:t>
             </a:r>
             <a:r>
-              <a:rPr lang="en-US" dirty="0"/>
-              <a:t> </a:t>
-            </a:r>
-            <a:r>
-              <a:rPr lang="en-US" dirty="0" err="1"/>
+              <a:rPr lang="en-US" b="1" dirty="0"/>
+              <a:t> </a:t>
+            </a:r>
+            <a:r>
+              <a:rPr lang="en-US" b="1" dirty="0" err="1"/>
               <a:t>kaynak</a:t>
             </a:r>
             <a:r>
-              <a:rPr lang="en-US" dirty="0"/>
-              <a:t> </a:t>
-            </a:r>
-            <a:r>
-              <a:rPr lang="en-US" dirty="0" err="1"/>
+              <a:rPr lang="en-US" b="1" dirty="0"/>
+              <a:t> </a:t>
+            </a:r>
+            <a:r>
+              <a:rPr lang="en-US" b="1" dirty="0" err="1"/>
               <a:t>kodu</a:t>
             </a:r>
             <a:r>
-              <a:rPr lang="en-US" dirty="0"/>
-              <a:t> </a:t>
-            </a:r>
-            <a:r>
-              <a:rPr lang="en-US" dirty="0" err="1"/>
+              <a:rPr lang="en-US" b="1" dirty="0"/>
+              <a:t> </a:t>
+            </a:r>
+            <a:r>
+              <a:rPr lang="en-US" b="1" dirty="0" err="1"/>
               <a:t>için</a:t>
             </a:r>
             <a:r>
-              <a:rPr lang="en-US" dirty="0"/>
-              <a:t> </a:t>
-            </a:r>
-            <a:r>
-              <a:rPr lang="en-US" dirty="0" err="1"/>
+              <a:rPr lang="en-US" b="1" dirty="0"/>
+              <a:t> </a:t>
+            </a:r>
+            <a:r>
+              <a:rPr lang="en-US" b="1" dirty="0" err="1"/>
               <a:t>hangi</a:t>
             </a:r>
             <a:r>
-              <a:rPr lang="en-US" dirty="0"/>
-              <a:t> </a:t>
-            </a:r>
-            <a:r>
-              <a:rPr lang="en-US" dirty="0" err="1"/>
+              <a:rPr lang="en-US" b="1" dirty="0"/>
+              <a:t> </a:t>
+            </a:r>
+            <a:r>
+              <a:rPr lang="en-US" b="1" dirty="0" err="1"/>
               <a:t>bayt</a:t>
             </a:r>
             <a:r>
-              <a:rPr lang="en-US" dirty="0"/>
-              <a:t> </a:t>
-            </a:r>
-            <a:r>
-              <a:rPr lang="en-US" dirty="0" err="1"/>
+              <a:rPr lang="en-US" b="1" dirty="0"/>
+              <a:t> </a:t>
+            </a:r>
+            <a:r>
+              <a:rPr lang="en-US" b="1" dirty="0" err="1"/>
               <a:t>kodunun</a:t>
             </a:r>
             <a:r>
-              <a:rPr lang="en-US" dirty="0"/>
-              <a:t> </a:t>
-            </a:r>
-            <a:r>
-              <a:rPr lang="en-US" dirty="0" err="1"/>
+              <a:rPr lang="en-US" b="1" dirty="0"/>
+              <a:t> </a:t>
+            </a:r>
+            <a:r>
+              <a:rPr lang="en-US" b="1" dirty="0" err="1"/>
               <a:t>üretildiğini</a:t>
             </a:r>
             <a:r>
-              <a:rPr lang="en-US" dirty="0"/>
-              <a:t> </a:t>
-            </a:r>
-            <a:r>
-              <a:rPr lang="en-US" dirty="0" err="1"/>
+              <a:rPr lang="en-US" b="1" dirty="0"/>
+              <a:t> </a:t>
+            </a:r>
+            <a:r>
+              <a:rPr lang="en-US" b="1" dirty="0" err="1"/>
               <a:t>bilmek</a:t>
             </a:r>
             <a:r>
@@ -25825,59 +26250,59 @@
               <a:t> </a:t>
             </a:r>
             <a:r>
-              <a:rPr lang="en-US" dirty="0" err="1"/>
+              <a:rPr lang="en-US" b="1" dirty="0" err="1"/>
               <a:t>en</a:t>
             </a:r>
             <a:r>
-              <a:rPr lang="en-US" dirty="0"/>
-              <a:t> </a:t>
-            </a:r>
-            <a:r>
-              <a:rPr lang="en-US" dirty="0" err="1"/>
+              <a:rPr lang="en-US" b="1" dirty="0"/>
+              <a:t> </a:t>
+            </a:r>
+            <a:r>
+              <a:rPr lang="en-US" b="1" dirty="0" err="1"/>
               <a:t>hızlı</a:t>
             </a:r>
             <a:r>
-              <a:rPr lang="en-US" dirty="0"/>
-              <a:t> </a:t>
-            </a:r>
-            <a:r>
-              <a:rPr lang="en-US" dirty="0" err="1"/>
+              <a:rPr lang="en-US" b="1" dirty="0"/>
+              <a:t> </a:t>
+            </a:r>
+            <a:r>
+              <a:rPr lang="en-US" b="1" dirty="0" err="1"/>
               <a:t>ve</a:t>
             </a:r>
             <a:r>
-              <a:rPr lang="en-US" dirty="0"/>
-              <a:t> </a:t>
-            </a:r>
-            <a:r>
-              <a:rPr lang="en-US" dirty="0" err="1"/>
+              <a:rPr lang="en-US" b="1" dirty="0"/>
+              <a:t> </a:t>
+            </a:r>
+            <a:r>
+              <a:rPr lang="en-US" b="1" dirty="0" err="1"/>
               <a:t>en</a:t>
             </a:r>
             <a:r>
-              <a:rPr lang="en-US" dirty="0"/>
-              <a:t> </a:t>
-            </a:r>
-            <a:r>
-              <a:rPr lang="en-US" dirty="0" err="1"/>
+              <a:rPr lang="en-US" b="1" dirty="0"/>
+              <a:t> </a:t>
+            </a:r>
+            <a:r>
+              <a:rPr lang="en-US" b="1" dirty="0" err="1"/>
               <a:t>küçük</a:t>
             </a:r>
             <a:r>
-              <a:rPr lang="en-US" dirty="0"/>
-              <a:t> </a:t>
-            </a:r>
-            <a:r>
-              <a:rPr lang="en-US" dirty="0" err="1"/>
+              <a:rPr lang="en-US" b="1" dirty="0"/>
+              <a:t> </a:t>
+            </a:r>
+            <a:r>
+              <a:rPr lang="en-US" b="1" dirty="0" err="1"/>
               <a:t>kodu</a:t>
             </a:r>
             <a:r>
-              <a:rPr lang="en-US" dirty="0"/>
-              <a:t> </a:t>
-            </a:r>
-            <a:r>
-              <a:rPr lang="en-US" dirty="0" err="1"/>
+              <a:rPr lang="en-US" b="1" dirty="0"/>
+              <a:t> </a:t>
+            </a:r>
+            <a:r>
+              <a:rPr lang="en-US" b="1" dirty="0" err="1"/>
               <a:t>yazmak</a:t>
             </a:r>
             <a:r>
-              <a:rPr lang="en-US" dirty="0"/>
+              <a:rPr lang="en-US" b="1" dirty="0"/>
               <a:t> </a:t>
             </a:r>
             <a:r>
@@ -25934,7 +26359,7 @@
             </a:r>
             <a:r>
               <a:rPr lang="en-US" dirty="0" err="1"/>
-              <a:t>edem</a:t>
+              <a:t>eden</a:t>
             </a:r>
             <a:r>
               <a:rPr lang="en-US" dirty="0"/>
@@ -26005,7 +26430,7 @@
               <a:t> </a:t>
             </a:r>
             <a:r>
-              <a:rPr lang="en-US" dirty="0" err="1"/>
+              <a:rPr lang="en-US" b="1" dirty="0" err="1"/>
               <a:t>bağımsız</a:t>
             </a:r>
             <a:r>
@@ -26413,7 +26838,7 @@
           <a:p>
             <a:fld id="{B5FABE4D-60AF-4014-813B-6063C03839D2}" type="slidenum">
               <a:rPr lang="en-US" smtClean="0"/>
-              <a:t>30</a:t>
+              <a:t>31</a:t>
             </a:fld>
             <a:endParaRPr lang="en-US"/>
           </a:p>
@@ -26432,7 +26857,7 @@
 </p:sld>
 </file>
 
-<file path=ppt/slides/slide31.xml><?xml version="1.0" encoding="utf-8"?>
+<file path=ppt/slides/slide32.xml><?xml version="1.0" encoding="utf-8"?>
 <p:sld xmlns:a="http://schemas.openxmlformats.org/drawingml/2006/main" xmlns:r="http://schemas.openxmlformats.org/officeDocument/2006/relationships" xmlns:p="http://schemas.openxmlformats.org/presentationml/2006/main">
   <p:cSld>
     <p:spTree>
@@ -26578,7 +27003,7 @@
           <a:p>
             <a:fld id="{B5FABE4D-60AF-4014-813B-6063C03839D2}" type="slidenum">
               <a:rPr lang="en-US" smtClean="0"/>
-              <a:t>31</a:t>
+              <a:t>32</a:t>
             </a:fld>
             <a:endParaRPr lang="en-US"/>
           </a:p>
@@ -26633,10 +27058,10 @@
       </p:pic>
       <p:pic>
         <p:nvPicPr>
-          <p:cNvPr id="7" name="Picture 6">
+          <p:cNvPr id="8" name="Picture 7">
             <a:extLst>
               <a:ext uri="{FF2B5EF4-FFF2-40B4-BE49-F238E27FC236}">
-                <a16:creationId xmlns:a16="http://schemas.microsoft.com/office/drawing/2014/main" id="{B1630CE4-2AC2-45B8-93A5-9557520AEB7C}"/>
+                <a16:creationId xmlns:a16="http://schemas.microsoft.com/office/drawing/2014/main" id="{6F614CCC-90A0-43BC-BF11-6B05340A3636}"/>
               </a:ext>
             </a:extLst>
           </p:cNvPr>
@@ -26653,8 +27078,8 @@
         </p:blipFill>
         <p:spPr>
           <a:xfrm>
-            <a:off x="5848689" y="275785"/>
-            <a:ext cx="5772956" cy="6306430"/>
+            <a:off x="6061324" y="197116"/>
+            <a:ext cx="5724838" cy="6159234"/>
           </a:xfrm>
           <a:prstGeom prst="rect">
             <a:avLst/>
@@ -26674,7 +27099,7 @@
 </p:sld>
 </file>
 
-<file path=ppt/slides/slide32.xml><?xml version="1.0" encoding="utf-8"?>
+<file path=ppt/slides/slide33.xml><?xml version="1.0" encoding="utf-8"?>
 <p:sld xmlns:a="http://schemas.openxmlformats.org/drawingml/2006/main" xmlns:r="http://schemas.openxmlformats.org/officeDocument/2006/relationships" xmlns:p="http://schemas.openxmlformats.org/presentationml/2006/main">
   <p:cSld>
     <p:spTree>
@@ -26739,7 +27164,7 @@
         <p:spPr/>
         <p:txBody>
           <a:bodyPr>
-            <a:normAutofit/>
+            <a:normAutofit lnSpcReduction="10000"/>
           </a:bodyPr>
           <a:lstStyle/>
           <a:p>
@@ -26933,6 +27358,31 @@
               <a:rPr lang="en-US" sz="2000" dirty="0"/>
               <a:t>https://www.coolcoder.in/2015/02/3-best-libraries-to-manipulate-java.html</a:t>
             </a:r>
+          </a:p>
+          <a:p>
+            <a:r>
+              <a:rPr lang="en-US" sz="2000" dirty="0"/>
+              <a:t>[7] </a:t>
+            </a:r>
+            <a:r>
+              <a:rPr lang="fr-FR" sz="2000" dirty="0"/>
+              <a:t>James D Bloom - Java Code To Byte Code</a:t>
+            </a:r>
+            <a:r>
+              <a:rPr lang="en-US" sz="2000" dirty="0"/>
+              <a:t>. E</a:t>
+            </a:r>
+            <a:r>
+              <a:rPr lang="tr-TR" sz="2000" dirty="0"/>
+              <a:t>rişim Tarihi : 22.06.2020</a:t>
+            </a:r>
+            <a:r>
+              <a:rPr lang="fr-FR" sz="2000" dirty="0"/>
+              <a:t> https://blog.jamesdbloom.com/JavaCodeToByteCode_PartOne.html </a:t>
+            </a:r>
+          </a:p>
+          <a:p>
+            <a:endParaRPr lang="en-US" sz="2000" dirty="0"/>
           </a:p>
           <a:p>
             <a:pPr algn="just"/>
@@ -26991,7 +27441,7 @@
           <a:p>
             <a:fld id="{B5FABE4D-60AF-4014-813B-6063C03839D2}" type="slidenum">
               <a:rPr lang="en-US" smtClean="0"/>
-              <a:t>32</a:t>
+              <a:t>33</a:t>
             </a:fld>
             <a:endParaRPr lang="en-US"/>
           </a:p>
@@ -27010,7 +27460,7 @@
 </p:sld>
 </file>
 
-<file path=ppt/slides/slide33.xml><?xml version="1.0" encoding="utf-8"?>
+<file path=ppt/slides/slide34.xml><?xml version="1.0" encoding="utf-8"?>
 <p:sld xmlns:a="http://schemas.openxmlformats.org/drawingml/2006/main" xmlns:r="http://schemas.openxmlformats.org/officeDocument/2006/relationships" xmlns:p="http://schemas.openxmlformats.org/presentationml/2006/main">
   <p:cSld>
     <p:spTree>
@@ -27107,7 +27557,7 @@
           <a:p>
             <a:fld id="{B5FABE4D-60AF-4014-813B-6063C03839D2}" type="slidenum">
               <a:rPr lang="en-US" smtClean="0"/>
-              <a:t>33</a:t>
+              <a:t>34</a:t>
             </a:fld>
             <a:endParaRPr lang="en-US"/>
           </a:p>
@@ -27940,7 +28390,7 @@
         </p:spPr>
         <p:txBody>
           <a:bodyPr>
-            <a:normAutofit fontScale="92500" lnSpcReduction="20000"/>
+            <a:normAutofit fontScale="92500"/>
           </a:bodyPr>
           <a:lstStyle/>
           <a:p>
@@ -28078,27 +28528,27 @@
               <a:t> </a:t>
             </a:r>
             <a:r>
-              <a:rPr lang="en-US" dirty="0" err="1"/>
+              <a:rPr lang="en-US" b="1" dirty="0" err="1"/>
               <a:t>bayt</a:t>
             </a:r>
             <a:r>
-              <a:rPr lang="en-US" dirty="0"/>
-              <a:t> </a:t>
-            </a:r>
-            <a:r>
-              <a:rPr lang="en-US" dirty="0" err="1"/>
+              <a:rPr lang="en-US" b="1" dirty="0"/>
+              <a:t> </a:t>
+            </a:r>
+            <a:r>
+              <a:rPr lang="en-US" b="1" dirty="0" err="1"/>
               <a:t>kodu</a:t>
             </a:r>
             <a:r>
-              <a:rPr lang="en-US" dirty="0"/>
-              <a:t> </a:t>
-            </a:r>
-            <a:r>
-              <a:rPr lang="en-US" dirty="0" err="1"/>
+              <a:rPr lang="en-US" b="1" dirty="0"/>
+              <a:t> </a:t>
+            </a:r>
+            <a:r>
+              <a:rPr lang="en-US" b="1" dirty="0" err="1"/>
               <a:t>akışı</a:t>
             </a:r>
             <a:r>
-              <a:rPr lang="en-US" dirty="0"/>
+              <a:rPr lang="en-US" b="1" dirty="0"/>
               <a:t> </a:t>
             </a:r>
             <a:r>
@@ -28114,67 +28564,7 @@
             <a:pPr algn="just"/>
             <a:r>
               <a:rPr lang="en-US" dirty="0"/>
-              <a:t>Bayt </a:t>
-            </a:r>
-            <a:r>
-              <a:rPr lang="en-US" dirty="0" err="1"/>
-              <a:t>kod</a:t>
-            </a:r>
-            <a:r>
-              <a:rPr lang="en-US" dirty="0"/>
-              <a:t> </a:t>
-            </a:r>
-            <a:r>
-              <a:rPr lang="en-US" dirty="0" err="1"/>
-              <a:t>akışları</a:t>
-            </a:r>
-            <a:r>
-              <a:rPr lang="en-US" dirty="0"/>
-              <a:t> </a:t>
-            </a:r>
-            <a:r>
-              <a:rPr lang="en-US" dirty="0" err="1"/>
-              <a:t>JVM’nin</a:t>
-            </a:r>
-            <a:r>
-              <a:rPr lang="en-US" dirty="0"/>
-              <a:t> </a:t>
-            </a:r>
-            <a:r>
-              <a:rPr lang="en-US" dirty="0" err="1"/>
-              <a:t>metod</a:t>
-            </a:r>
-            <a:r>
-              <a:rPr lang="en-US" dirty="0"/>
-              <a:t> </a:t>
-            </a:r>
-            <a:r>
-              <a:rPr lang="en-US" dirty="0" err="1"/>
-              <a:t>alanına</a:t>
-            </a:r>
-            <a:r>
-              <a:rPr lang="en-US" dirty="0"/>
-              <a:t> </a:t>
-            </a:r>
-            <a:r>
-              <a:rPr lang="en-US" dirty="0" err="1"/>
-              <a:t>saklanır</a:t>
-            </a:r>
-            <a:r>
-              <a:rPr lang="en-US" dirty="0"/>
-              <a:t>.</a:t>
-            </a:r>
-            <a:endParaRPr lang="tr-TR" dirty="0"/>
-          </a:p>
-          <a:p>
-            <a:pPr algn="just"/>
-            <a:r>
-              <a:rPr lang="en-US" dirty="0" err="1"/>
-              <a:t>Bir</a:t>
-            </a:r>
-            <a:r>
-              <a:rPr lang="en-US" dirty="0"/>
-              <a:t> </a:t>
+              <a:t>Bir </a:t>
             </a:r>
             <a:r>
               <a:rPr lang="tr-TR" dirty="0" err="1"/>
@@ -29194,8 +29584,8 @@
         </p:blipFill>
         <p:spPr bwMode="auto">
           <a:xfrm>
-            <a:off x="8610600" y="2506561"/>
-            <a:ext cx="3159868" cy="2396180"/>
+            <a:off x="8385242" y="1930129"/>
+            <a:ext cx="3628957" cy="3454671"/>
           </a:xfrm>
           <a:prstGeom prst="rect">
             <a:avLst/>
@@ -29371,8 +29761,12 @@
               <a:t> </a:t>
             </a:r>
             <a:r>
-              <a:rPr lang="en-US" dirty="0" err="1"/>
-              <a:t>parametrelerini</a:t>
+              <a:rPr lang="en-US" b="1" dirty="0" err="1"/>
+              <a:t>parametreleri</a:t>
+            </a:r>
+            <a:r>
+              <a:rPr lang="en-US" dirty="0" err="1"/>
+              <a:t>ni</a:t>
             </a:r>
             <a:r>
               <a:rPr lang="en-US" dirty="0"/>
@@ -29403,15 +29797,15 @@
               <a:t> </a:t>
             </a:r>
             <a:r>
-              <a:rPr lang="en-US" dirty="0" err="1"/>
+              <a:rPr lang="en-US" b="1" dirty="0" err="1"/>
               <a:t>değişkenlerin</a:t>
             </a:r>
             <a:r>
-              <a:rPr lang="en-US" dirty="0"/>
-              <a:t> </a:t>
-            </a:r>
-            <a:r>
-              <a:rPr lang="en-US" dirty="0" err="1"/>
+              <a:rPr lang="en-US" b="1" dirty="0"/>
+              <a:t> </a:t>
+            </a:r>
+            <a:r>
+              <a:rPr lang="en-US" b="1" dirty="0" err="1"/>
               <a:t>değerlerini</a:t>
             </a:r>
             <a:r>
@@ -29825,7 +30219,13 @@
       </p:sp>
       <p:pic>
         <p:nvPicPr>
-          <p:cNvPr id="7" name="Resim 6" descr="frame"/>
+          <p:cNvPr id="8" name="Resim 6" descr="frame">
+            <a:extLst>
+              <a:ext uri="{FF2B5EF4-FFF2-40B4-BE49-F238E27FC236}">
+                <a16:creationId xmlns:a16="http://schemas.microsoft.com/office/drawing/2014/main" id="{A79C7511-5F30-4A6D-9342-C5F58119B779}"/>
+              </a:ext>
+            </a:extLst>
+          </p:cNvPr>
           <p:cNvPicPr/>
           <p:nvPr/>
         </p:nvPicPr>
@@ -29844,8 +30244,8 @@
         </p:blipFill>
         <p:spPr bwMode="auto">
           <a:xfrm>
-            <a:off x="8610600" y="2506561"/>
-            <a:ext cx="3159868" cy="2396180"/>
+            <a:off x="8385242" y="1930129"/>
+            <a:ext cx="3628957" cy="3454671"/>
           </a:xfrm>
           <a:prstGeom prst="rect">
             <a:avLst/>
@@ -29981,563 +30381,295 @@
           <a:p>
             <a:pPr algn="just"/>
             <a:r>
-              <a:rPr lang="en-US" dirty="0" err="1">
-                <a:solidFill>
-                  <a:srgbClr val="FF0000"/>
-                </a:solidFill>
-              </a:rPr>
+              <a:rPr lang="en-US" dirty="0" err="1"/>
               <a:t>Makine</a:t>
             </a:r>
             <a:r>
-              <a:rPr lang="en-US" dirty="0">
-                <a:solidFill>
-                  <a:srgbClr val="FF0000"/>
-                </a:solidFill>
-              </a:rPr>
-              <a:t> </a:t>
-            </a:r>
-            <a:r>
-              <a:rPr lang="en-US" dirty="0" err="1">
-                <a:solidFill>
-                  <a:srgbClr val="FF0000"/>
-                </a:solidFill>
-              </a:rPr>
+              <a:rPr lang="en-US" dirty="0"/>
+              <a:t> </a:t>
+            </a:r>
+            <a:r>
+              <a:rPr lang="en-US" dirty="0" err="1"/>
               <a:t>kodu</a:t>
             </a:r>
             <a:r>
-              <a:rPr lang="en-US" dirty="0">
-                <a:solidFill>
-                  <a:srgbClr val="FF0000"/>
-                </a:solidFill>
-              </a:rPr>
-              <a:t> </a:t>
-            </a:r>
-            <a:r>
-              <a:rPr lang="en-US" dirty="0" err="1">
-                <a:solidFill>
-                  <a:srgbClr val="FF0000"/>
-                </a:solidFill>
-              </a:rPr>
+              <a:rPr lang="en-US" dirty="0"/>
+              <a:t> </a:t>
+            </a:r>
+            <a:r>
+              <a:rPr lang="en-US" dirty="0" err="1"/>
               <a:t>ile</a:t>
             </a:r>
             <a:r>
-              <a:rPr lang="en-US" dirty="0">
-                <a:solidFill>
-                  <a:srgbClr val="FF0000"/>
-                </a:solidFill>
-              </a:rPr>
-              <a:t> </a:t>
-            </a:r>
-            <a:r>
-              <a:rPr lang="en-US" dirty="0" err="1">
-                <a:solidFill>
-                  <a:srgbClr val="FF0000"/>
-                </a:solidFill>
-              </a:rPr>
+              <a:rPr lang="en-US" dirty="0"/>
+              <a:t> </a:t>
+            </a:r>
+            <a:r>
+              <a:rPr lang="en-US" dirty="0" err="1"/>
               <a:t>bayt</a:t>
             </a:r>
             <a:r>
-              <a:rPr lang="en-US" dirty="0">
-                <a:solidFill>
-                  <a:srgbClr val="FF0000"/>
-                </a:solidFill>
-              </a:rPr>
-              <a:t> </a:t>
-            </a:r>
-            <a:r>
-              <a:rPr lang="en-US" dirty="0" err="1">
-                <a:solidFill>
-                  <a:srgbClr val="FF0000"/>
-                </a:solidFill>
-              </a:rPr>
+              <a:rPr lang="en-US" dirty="0"/>
+              <a:t> </a:t>
+            </a:r>
+            <a:r>
+              <a:rPr lang="en-US" dirty="0" err="1"/>
               <a:t>kodu</a:t>
             </a:r>
             <a:r>
-              <a:rPr lang="en-US" dirty="0">
-                <a:solidFill>
-                  <a:srgbClr val="FF0000"/>
-                </a:solidFill>
-              </a:rPr>
-              <a:t> </a:t>
-            </a:r>
-            <a:r>
-              <a:rPr lang="en-US" dirty="0" err="1">
-                <a:solidFill>
-                  <a:srgbClr val="FF0000"/>
-                </a:solidFill>
-              </a:rPr>
+              <a:rPr lang="en-US" dirty="0"/>
+              <a:t> </a:t>
+            </a:r>
+            <a:r>
+              <a:rPr lang="en-US" dirty="0" err="1"/>
               <a:t>arasındaki</a:t>
             </a:r>
             <a:r>
-              <a:rPr lang="en-US" dirty="0">
-                <a:solidFill>
-                  <a:srgbClr val="FF0000"/>
-                </a:solidFill>
-              </a:rPr>
-              <a:t> </a:t>
-            </a:r>
-            <a:r>
-              <a:rPr lang="en-US" dirty="0" err="1">
-                <a:solidFill>
-                  <a:srgbClr val="FF0000"/>
-                </a:solidFill>
-              </a:rPr>
+              <a:rPr lang="en-US" dirty="0"/>
+              <a:t> </a:t>
+            </a:r>
+            <a:r>
+              <a:rPr lang="en-US" dirty="0" err="1"/>
               <a:t>temel</a:t>
             </a:r>
             <a:r>
-              <a:rPr lang="en-US" dirty="0">
-                <a:solidFill>
-                  <a:srgbClr val="FF0000"/>
-                </a:solidFill>
-              </a:rPr>
+              <a:rPr lang="en-US" dirty="0"/>
               <a:t> fark, </a:t>
             </a:r>
             <a:r>
-              <a:rPr lang="en-US" dirty="0" err="1">
-                <a:solidFill>
-                  <a:srgbClr val="FF0000"/>
-                </a:solidFill>
-              </a:rPr>
+              <a:rPr lang="en-US" dirty="0" err="1"/>
               <a:t>makine</a:t>
             </a:r>
             <a:r>
-              <a:rPr lang="en-US" dirty="0">
-                <a:solidFill>
-                  <a:srgbClr val="FF0000"/>
-                </a:solidFill>
-              </a:rPr>
-              <a:t> </a:t>
-            </a:r>
-            <a:r>
-              <a:rPr lang="en-US" dirty="0" err="1">
-                <a:solidFill>
-                  <a:srgbClr val="FF0000"/>
-                </a:solidFill>
-              </a:rPr>
+              <a:rPr lang="en-US" dirty="0"/>
+              <a:t> </a:t>
+            </a:r>
+            <a:r>
+              <a:rPr lang="en-US" dirty="0" err="1"/>
               <a:t>kodunun</a:t>
             </a:r>
             <a:r>
-              <a:rPr lang="en-US" dirty="0">
-                <a:solidFill>
-                  <a:srgbClr val="FF0000"/>
-                </a:solidFill>
-              </a:rPr>
-              <a:t> </a:t>
-            </a:r>
-            <a:r>
-              <a:rPr lang="en-US" dirty="0" err="1">
-                <a:solidFill>
-                  <a:srgbClr val="FF0000"/>
-                </a:solidFill>
-              </a:rPr>
+              <a:rPr lang="en-US" dirty="0"/>
+              <a:t> </a:t>
+            </a:r>
+            <a:r>
+              <a:rPr lang="en-US" dirty="0" err="1"/>
               <a:t>makine</a:t>
             </a:r>
             <a:r>
-              <a:rPr lang="en-US" dirty="0">
-                <a:solidFill>
-                  <a:srgbClr val="FF0000"/>
-                </a:solidFill>
-              </a:rPr>
-              <a:t> </a:t>
-            </a:r>
-            <a:r>
-              <a:rPr lang="en-US" dirty="0" err="1">
-                <a:solidFill>
-                  <a:srgbClr val="FF0000"/>
-                </a:solidFill>
-              </a:rPr>
+              <a:rPr lang="en-US" dirty="0"/>
+              <a:t> </a:t>
+            </a:r>
+            <a:r>
+              <a:rPr lang="en-US" dirty="0" err="1"/>
               <a:t>dili</a:t>
             </a:r>
             <a:r>
-              <a:rPr lang="en-US" dirty="0">
-                <a:solidFill>
-                  <a:srgbClr val="FF0000"/>
-                </a:solidFill>
-              </a:rPr>
-              <a:t> </a:t>
-            </a:r>
-            <a:r>
-              <a:rPr lang="en-US" dirty="0" err="1">
-                <a:solidFill>
-                  <a:srgbClr val="FF0000"/>
-                </a:solidFill>
-              </a:rPr>
+              <a:rPr lang="en-US" dirty="0"/>
+              <a:t> </a:t>
+            </a:r>
+            <a:r>
+              <a:rPr lang="en-US" dirty="0" err="1"/>
               <a:t>veya</a:t>
             </a:r>
             <a:r>
-              <a:rPr lang="en-US" dirty="0">
-                <a:solidFill>
-                  <a:srgbClr val="FF0000"/>
-                </a:solidFill>
-              </a:rPr>
-              <a:t> </a:t>
-            </a:r>
-            <a:r>
-              <a:rPr lang="en-US" dirty="0" err="1">
-                <a:solidFill>
-                  <a:srgbClr val="FF0000"/>
-                </a:solidFill>
-              </a:rPr>
+              <a:rPr lang="en-US" dirty="0"/>
+              <a:t> </a:t>
+            </a:r>
+            <a:r>
+              <a:rPr lang="en-US" dirty="0" err="1"/>
               <a:t>ikili</a:t>
             </a:r>
             <a:r>
-              <a:rPr lang="en-US" dirty="0">
-                <a:solidFill>
-                  <a:srgbClr val="FF0000"/>
-                </a:solidFill>
-              </a:rPr>
-              <a:t> </a:t>
-            </a:r>
-            <a:r>
-              <a:rPr lang="en-US" dirty="0" err="1">
-                <a:solidFill>
-                  <a:srgbClr val="FF0000"/>
-                </a:solidFill>
-              </a:rPr>
+              <a:rPr lang="en-US" dirty="0"/>
+              <a:t> </a:t>
+            </a:r>
+            <a:r>
+              <a:rPr lang="en-US" dirty="0" err="1"/>
               <a:t>dosyada</a:t>
             </a:r>
             <a:r>
-              <a:rPr lang="en-US" dirty="0">
-                <a:solidFill>
-                  <a:srgbClr val="FF0000"/>
-                </a:solidFill>
-              </a:rPr>
-              <a:t> </a:t>
-            </a:r>
-            <a:r>
-              <a:rPr lang="en-US" dirty="0" err="1">
-                <a:solidFill>
-                  <a:srgbClr val="FF0000"/>
-                </a:solidFill>
-              </a:rPr>
+              <a:rPr lang="en-US" dirty="0"/>
+              <a:t> </a:t>
+            </a:r>
+            <a:r>
+              <a:rPr lang="en-US" dirty="0" err="1"/>
               <a:t>doğrudan</a:t>
             </a:r>
             <a:r>
-              <a:rPr lang="en-US" dirty="0">
-                <a:solidFill>
-                  <a:srgbClr val="FF0000"/>
-                </a:solidFill>
-              </a:rPr>
-              <a:t> CPU </a:t>
-            </a:r>
-            <a:r>
-              <a:rPr lang="en-US" dirty="0" err="1">
-                <a:solidFill>
-                  <a:srgbClr val="FF0000"/>
-                </a:solidFill>
-              </a:rPr>
+              <a:rPr lang="en-US" dirty="0"/>
+              <a:t> </a:t>
+            </a:r>
+            <a:r>
+              <a:rPr lang="en-US" b="1" dirty="0"/>
+              <a:t>CPU</a:t>
+            </a:r>
+            <a:r>
+              <a:rPr lang="en-US" dirty="0"/>
+              <a:t> </a:t>
+            </a:r>
+            <a:r>
+              <a:rPr lang="en-US" dirty="0" err="1"/>
               <a:t>tarafından</a:t>
             </a:r>
             <a:r>
-              <a:rPr lang="en-US" dirty="0">
-                <a:solidFill>
-                  <a:srgbClr val="FF0000"/>
-                </a:solidFill>
-              </a:rPr>
-              <a:t> </a:t>
-            </a:r>
-            <a:r>
-              <a:rPr lang="en-US" dirty="0" err="1">
-                <a:solidFill>
-                  <a:srgbClr val="FF0000"/>
-                </a:solidFill>
-              </a:rPr>
+              <a:rPr lang="en-US" dirty="0"/>
+              <a:t> </a:t>
+            </a:r>
+            <a:r>
+              <a:rPr lang="en-US" dirty="0" err="1"/>
               <a:t>çalıştırılabilen</a:t>
             </a:r>
             <a:r>
-              <a:rPr lang="en-US" dirty="0">
-                <a:solidFill>
-                  <a:srgbClr val="FF0000"/>
-                </a:solidFill>
-              </a:rPr>
-              <a:t> </a:t>
-            </a:r>
-            <a:r>
-              <a:rPr lang="en-US" dirty="0" err="1">
-                <a:solidFill>
-                  <a:srgbClr val="FF0000"/>
-                </a:solidFill>
-              </a:rPr>
+              <a:rPr lang="en-US" dirty="0"/>
+              <a:t> </a:t>
+            </a:r>
+            <a:r>
+              <a:rPr lang="en-US" dirty="0" err="1"/>
               <a:t>bir</a:t>
             </a:r>
             <a:r>
-              <a:rPr lang="en-US" dirty="0">
-                <a:solidFill>
-                  <a:srgbClr val="FF0000"/>
-                </a:solidFill>
-              </a:rPr>
+              <a:rPr lang="en-US" dirty="0"/>
               <a:t> dizi </a:t>
             </a:r>
             <a:r>
-              <a:rPr lang="en-US" dirty="0" err="1">
-                <a:solidFill>
-                  <a:srgbClr val="FF0000"/>
-                </a:solidFill>
-              </a:rPr>
+              <a:rPr lang="en-US" dirty="0" err="1"/>
               <a:t>talimat</a:t>
             </a:r>
             <a:r>
-              <a:rPr lang="en-US" dirty="0">
-                <a:solidFill>
-                  <a:srgbClr val="FF0000"/>
-                </a:solidFill>
-              </a:rPr>
-              <a:t> </a:t>
-            </a:r>
-            <a:r>
-              <a:rPr lang="en-US" dirty="0" err="1">
-                <a:solidFill>
-                  <a:srgbClr val="FF0000"/>
-                </a:solidFill>
-              </a:rPr>
+              <a:rPr lang="en-US" dirty="0"/>
+              <a:t> </a:t>
+            </a:r>
+            <a:r>
+              <a:rPr lang="en-US" dirty="0" err="1"/>
               <a:t>olmasıdır</a:t>
             </a:r>
             <a:r>
-              <a:rPr lang="en-US" dirty="0">
-                <a:solidFill>
-                  <a:srgbClr val="FF0000"/>
-                </a:solidFill>
-              </a:rPr>
+              <a:rPr lang="en-US" dirty="0"/>
               <a:t>. </a:t>
             </a:r>
-            <a:endParaRPr lang="tr-TR" dirty="0">
-              <a:solidFill>
-                <a:srgbClr val="FF0000"/>
-              </a:solidFill>
-            </a:endParaRPr>
+            <a:endParaRPr lang="tr-TR" dirty="0"/>
           </a:p>
           <a:p>
             <a:pPr algn="just"/>
             <a:r>
-              <a:rPr lang="en-US" dirty="0">
-                <a:solidFill>
-                  <a:srgbClr val="FF0000"/>
-                </a:solidFill>
-              </a:rPr>
+              <a:rPr lang="en-US" dirty="0"/>
               <a:t>Bayt </a:t>
             </a:r>
             <a:r>
-              <a:rPr lang="en-US" dirty="0" err="1">
-                <a:solidFill>
-                  <a:srgbClr val="FF0000"/>
-                </a:solidFill>
-              </a:rPr>
+              <a:rPr lang="en-US" dirty="0" err="1"/>
               <a:t>kodu</a:t>
             </a:r>
             <a:r>
-              <a:rPr lang="en-US" dirty="0">
-                <a:solidFill>
-                  <a:srgbClr val="FF0000"/>
-                </a:solidFill>
-              </a:rPr>
+              <a:rPr lang="en-US" dirty="0"/>
               <a:t>, </a:t>
             </a:r>
             <a:r>
-              <a:rPr lang="en-US" dirty="0" err="1">
-                <a:solidFill>
-                  <a:srgbClr val="FF0000"/>
-                </a:solidFill>
-              </a:rPr>
+              <a:rPr lang="en-US" dirty="0" err="1"/>
               <a:t>yürütülmesi</a:t>
             </a:r>
             <a:r>
-              <a:rPr lang="en-US" dirty="0">
-                <a:solidFill>
-                  <a:srgbClr val="FF0000"/>
-                </a:solidFill>
-              </a:rPr>
-              <a:t> </a:t>
-            </a:r>
-            <a:r>
-              <a:rPr lang="en-US" dirty="0" err="1">
-                <a:solidFill>
-                  <a:srgbClr val="FF0000"/>
-                </a:solidFill>
-              </a:rPr>
+              <a:rPr lang="en-US" dirty="0"/>
+              <a:t> </a:t>
+            </a:r>
+            <a:r>
+              <a:rPr lang="en-US" dirty="0" err="1"/>
               <a:t>için</a:t>
             </a:r>
             <a:r>
-              <a:rPr lang="en-US" dirty="0">
-                <a:solidFill>
-                  <a:srgbClr val="FF0000"/>
-                </a:solidFill>
-              </a:rPr>
-              <a:t> </a:t>
-            </a:r>
-            <a:r>
-              <a:rPr lang="en-US" dirty="0" err="1">
-                <a:solidFill>
-                  <a:srgbClr val="FF0000"/>
-                </a:solidFill>
-              </a:rPr>
+              <a:rPr lang="en-US" dirty="0"/>
+              <a:t> </a:t>
+            </a:r>
+            <a:r>
+              <a:rPr lang="en-US" dirty="0" err="1"/>
               <a:t>bir</a:t>
             </a:r>
             <a:r>
-              <a:rPr lang="en-US" dirty="0">
-                <a:solidFill>
-                  <a:srgbClr val="FF0000"/>
-                </a:solidFill>
-              </a:rPr>
-              <a:t> </a:t>
-            </a:r>
-            <a:r>
-              <a:rPr lang="en-US" dirty="0" err="1">
-                <a:solidFill>
-                  <a:srgbClr val="FF0000"/>
-                </a:solidFill>
-              </a:rPr>
-              <a:t>tercümana</a:t>
-            </a:r>
-            <a:r>
-              <a:rPr lang="en-US" dirty="0">
-                <a:solidFill>
-                  <a:srgbClr val="FF0000"/>
-                </a:solidFill>
-              </a:rPr>
-              <a:t> </a:t>
-            </a:r>
-            <a:r>
-              <a:rPr lang="en-US" dirty="0" err="1">
-                <a:solidFill>
-                  <a:srgbClr val="FF0000"/>
-                </a:solidFill>
-              </a:rPr>
+              <a:rPr lang="en-US" dirty="0"/>
+              <a:t> </a:t>
+            </a:r>
+            <a:r>
+              <a:rPr lang="en-US" b="1" dirty="0" err="1"/>
+              <a:t>compiler</a:t>
+            </a:r>
+            <a:r>
+              <a:rPr lang="en-US" dirty="0" err="1"/>
+              <a:t>’a</a:t>
+            </a:r>
+            <a:r>
+              <a:rPr lang="en-US" dirty="0"/>
+              <a:t> </a:t>
+            </a:r>
+            <a:r>
+              <a:rPr lang="en-US" dirty="0" err="1"/>
               <a:t>dayanan</a:t>
             </a:r>
             <a:r>
-              <a:rPr lang="en-US" dirty="0">
-                <a:solidFill>
-                  <a:srgbClr val="FF0000"/>
-                </a:solidFill>
-              </a:rPr>
-              <a:t> </a:t>
-            </a:r>
-            <a:r>
-              <a:rPr lang="en-US" dirty="0" err="1">
-                <a:solidFill>
-                  <a:srgbClr val="FF0000"/>
-                </a:solidFill>
-              </a:rPr>
+              <a:rPr lang="en-US" dirty="0"/>
+              <a:t> </a:t>
+            </a:r>
+            <a:r>
+              <a:rPr lang="en-US" dirty="0" err="1"/>
               <a:t>bir</a:t>
             </a:r>
             <a:r>
-              <a:rPr lang="en-US" dirty="0">
-                <a:solidFill>
-                  <a:srgbClr val="FF0000"/>
-                </a:solidFill>
-              </a:rPr>
-              <a:t> </a:t>
-            </a:r>
-            <a:r>
-              <a:rPr lang="en-US" dirty="0" err="1">
-                <a:solidFill>
-                  <a:srgbClr val="FF0000"/>
-                </a:solidFill>
-              </a:rPr>
+              <a:rPr lang="en-US" dirty="0"/>
+              <a:t> </a:t>
+            </a:r>
+            <a:r>
+              <a:rPr lang="en-US" dirty="0" err="1"/>
               <a:t>kaynak</a:t>
             </a:r>
             <a:r>
-              <a:rPr lang="en-US" dirty="0">
-                <a:solidFill>
-                  <a:srgbClr val="FF0000"/>
-                </a:solidFill>
-              </a:rPr>
-              <a:t> </a:t>
-            </a:r>
-            <a:r>
-              <a:rPr lang="en-US" dirty="0" err="1">
-                <a:solidFill>
-                  <a:srgbClr val="FF0000"/>
-                </a:solidFill>
-              </a:rPr>
+              <a:rPr lang="en-US" dirty="0"/>
+              <a:t> </a:t>
+            </a:r>
+            <a:r>
+              <a:rPr lang="en-US" dirty="0" err="1"/>
               <a:t>kod</a:t>
             </a:r>
             <a:r>
-              <a:rPr lang="en-US" dirty="0">
-                <a:solidFill>
-                  <a:srgbClr val="FF0000"/>
-                </a:solidFill>
-              </a:rPr>
-              <a:t> </a:t>
-            </a:r>
-            <a:r>
-              <a:rPr lang="en-US" dirty="0" err="1">
-                <a:solidFill>
-                  <a:srgbClr val="FF0000"/>
-                </a:solidFill>
-              </a:rPr>
+              <a:rPr lang="en-US" dirty="0"/>
+              <a:t> </a:t>
+            </a:r>
+            <a:r>
+              <a:rPr lang="en-US" dirty="0" err="1"/>
               <a:t>derlenerek</a:t>
             </a:r>
             <a:r>
-              <a:rPr lang="en-US" dirty="0">
-                <a:solidFill>
-                  <a:srgbClr val="FF0000"/>
-                </a:solidFill>
-              </a:rPr>
-              <a:t> </a:t>
-            </a:r>
-            <a:r>
-              <a:rPr lang="en-US" dirty="0" err="1">
-                <a:solidFill>
-                  <a:srgbClr val="FF0000"/>
-                </a:solidFill>
-              </a:rPr>
+              <a:rPr lang="en-US" dirty="0"/>
+              <a:t> </a:t>
+            </a:r>
+            <a:r>
+              <a:rPr lang="en-US" dirty="0" err="1"/>
               <a:t>oluşturulan</a:t>
             </a:r>
             <a:r>
-              <a:rPr lang="en-US" dirty="0">
-                <a:solidFill>
-                  <a:srgbClr val="FF0000"/>
-                </a:solidFill>
-              </a:rPr>
-              <a:t> </a:t>
-            </a:r>
-            <a:r>
-              <a:rPr lang="en-US" dirty="0" err="1">
-                <a:solidFill>
-                  <a:srgbClr val="FF0000"/>
-                </a:solidFill>
-              </a:rPr>
+              <a:rPr lang="en-US" dirty="0"/>
+              <a:t> </a:t>
+            </a:r>
+            <a:r>
+              <a:rPr lang="en-US" dirty="0" err="1"/>
               <a:t>çalıştırılamaz</a:t>
             </a:r>
             <a:r>
-              <a:rPr lang="en-US" dirty="0">
-                <a:solidFill>
-                  <a:srgbClr val="FF0000"/>
-                </a:solidFill>
-              </a:rPr>
-              <a:t> </a:t>
-            </a:r>
-            <a:r>
-              <a:rPr lang="en-US" dirty="0" err="1">
-                <a:solidFill>
-                  <a:srgbClr val="FF0000"/>
-                </a:solidFill>
-              </a:rPr>
+              <a:rPr lang="en-US" dirty="0"/>
+              <a:t> </a:t>
+            </a:r>
+            <a:r>
+              <a:rPr lang="en-US" dirty="0" err="1"/>
               <a:t>bir</a:t>
             </a:r>
             <a:r>
-              <a:rPr lang="en-US" dirty="0">
-                <a:solidFill>
-                  <a:srgbClr val="FF0000"/>
-                </a:solidFill>
-              </a:rPr>
-              <a:t> </a:t>
-            </a:r>
-            <a:r>
-              <a:rPr lang="en-US" dirty="0" err="1">
-                <a:solidFill>
-                  <a:srgbClr val="FF0000"/>
-                </a:solidFill>
-              </a:rPr>
+              <a:rPr lang="en-US" dirty="0"/>
+              <a:t> </a:t>
+            </a:r>
+            <a:r>
+              <a:rPr lang="en-US" dirty="0" err="1"/>
               <a:t>koddur</a:t>
             </a:r>
             <a:r>
-              <a:rPr lang="tr-TR" dirty="0">
-                <a:solidFill>
-                  <a:srgbClr val="FF0000"/>
-                </a:solidFill>
-              </a:rPr>
+              <a:rPr lang="tr-TR" dirty="0"/>
               <a:t>.</a:t>
             </a:r>
           </a:p>
@@ -30545,7 +30677,15 @@
             <a:pPr algn="just"/>
             <a:r>
               <a:rPr lang="tr-TR" dirty="0"/>
-              <a:t>Bayt kodu, üst düzey bir dil olmadığı için derleme diline benzer, ancak makine dilinden farklı olarak hala okunabilir. Her ikisi de kaynak kodu ile makine kodu arasında yer alan "ara diller" olarak düşünülebilir. Bu ikisi arasındaki birincil fark, bir sanal makine (yazılım) için bayt kodunun üretilmesi, CPU (donanım) için ise makina dilinin oluşturulmasıdır.</a:t>
+              <a:t>Bayt kodu, üst düzey bir dil olmadığı için derleme diline benzer, ancak makine dilinden farklı olarak hala okunabilir. Her ikisi de kaynak kodu ile makine kodu arasında yer alan "</a:t>
+            </a:r>
+            <a:r>
+              <a:rPr lang="tr-TR" b="1" dirty="0"/>
+              <a:t>ara diller</a:t>
+            </a:r>
+            <a:r>
+              <a:rPr lang="tr-TR" dirty="0"/>
+              <a:t>" olarak düşünülebilir. Bu ikisi arasındaki birincil fark, bir sanal makine (yazılım) için bayt kodunun üretilmesi, CPU (donanım) için ise makina dilinin oluşturulmasıdır.</a:t>
             </a:r>
           </a:p>
           <a:p>
@@ -30831,47 +30971,47 @@
               <a:t> </a:t>
             </a:r>
             <a:r>
-              <a:rPr lang="en-US" dirty="0" err="1"/>
+              <a:rPr lang="en-US" b="1" dirty="0" err="1"/>
               <a:t>talimatlar</a:t>
             </a:r>
             <a:r>
-              <a:rPr lang="en-US" dirty="0"/>
-              <a:t> </a:t>
-            </a:r>
-            <a:r>
-              <a:rPr lang="en-US" dirty="0" err="1"/>
+              <a:rPr lang="en-US" b="1" dirty="0"/>
+              <a:t> </a:t>
+            </a:r>
+            <a:r>
+              <a:rPr lang="en-US" b="1" dirty="0" err="1"/>
               <a:t>kümesi</a:t>
             </a:r>
             <a:r>
-              <a:rPr lang="en-US" dirty="0"/>
-              <a:t> </a:t>
-            </a:r>
-            <a:r>
-              <a:rPr lang="en-US" dirty="0" err="1"/>
+              <a:rPr lang="en-US" b="1" dirty="0"/>
+              <a:t> </a:t>
+            </a:r>
+            <a:r>
+              <a:rPr lang="en-US" b="1" dirty="0" err="1"/>
               <a:t>sistemden</a:t>
             </a:r>
             <a:r>
-              <a:rPr lang="en-US" dirty="0"/>
-              <a:t> </a:t>
-            </a:r>
-            <a:r>
-              <a:rPr lang="en-US" dirty="0" err="1"/>
+              <a:rPr lang="en-US" b="1" dirty="0"/>
+              <a:t> </a:t>
+            </a:r>
+            <a:r>
+              <a:rPr lang="en-US" b="1" dirty="0" err="1"/>
               <a:t>sisteme</a:t>
             </a:r>
             <a:r>
-              <a:rPr lang="en-US" dirty="0"/>
-              <a:t> </a:t>
-            </a:r>
-            <a:r>
-              <a:rPr lang="en-US" dirty="0" err="1"/>
+              <a:rPr lang="en-US" b="1" dirty="0"/>
+              <a:t> </a:t>
+            </a:r>
+            <a:r>
+              <a:rPr lang="en-US" b="1" dirty="0" err="1"/>
               <a:t>farklılık</a:t>
             </a:r>
             <a:r>
-              <a:rPr lang="en-US" dirty="0"/>
-              <a:t> </a:t>
-            </a:r>
-            <a:r>
-              <a:rPr lang="en-US" dirty="0" err="1"/>
+              <a:rPr lang="en-US" b="1" dirty="0"/>
+              <a:t> </a:t>
+            </a:r>
+            <a:r>
+              <a:rPr lang="en-US" b="1" dirty="0" err="1"/>
               <a:t>gösterebilir</a:t>
             </a:r>
             <a:r>
@@ -30980,18 +31120,22 @@
             </a:r>
             <a:r>
               <a:rPr lang="en-US" dirty="0"/>
-              <a:t>, JVM </a:t>
-            </a:r>
-            <a:r>
-              <a:rPr lang="en-US" dirty="0" err="1"/>
+              <a:t>, </a:t>
+            </a:r>
+            <a:r>
+              <a:rPr lang="en-US" b="1" dirty="0"/>
+              <a:t>JVM </a:t>
+            </a:r>
+            <a:r>
+              <a:rPr lang="en-US" b="1" dirty="0" err="1"/>
               <a:t>devreye</a:t>
             </a:r>
             <a:r>
-              <a:rPr lang="en-US" dirty="0"/>
-              <a:t> </a:t>
-            </a:r>
-            <a:r>
-              <a:rPr lang="en-US" dirty="0" err="1"/>
+              <a:rPr lang="en-US" b="1" dirty="0"/>
+              <a:t> </a:t>
+            </a:r>
+            <a:r>
+              <a:rPr lang="en-US" b="1" dirty="0" err="1"/>
               <a:t>girer</a:t>
             </a:r>
             <a:r>

--- a/SeminerSunumuII.pptx
+++ b/SeminerSunumuII.pptx
@@ -4202,7 +4202,7 @@
         <p:spPr>
           <a:xfrm>
             <a:off x="1524000" y="4713514"/>
-            <a:ext cx="9144000" cy="544286"/>
+            <a:ext cx="9144000" cy="1090462"/>
           </a:xfrm>
         </p:spPr>
         <p:txBody>
@@ -4224,7 +4224,41 @@
               <a:rPr lang="tr-TR" sz="1800" b="1" dirty="0"/>
               <a:t>Sevdanur GENÇ</a:t>
             </a:r>
-            <a:endParaRPr lang="en-US" sz="1800" dirty="0"/>
+          </a:p>
+          <a:p>
+            <a:pPr algn="r"/>
+            <a:endParaRPr lang="en-US" sz="1800" b="1" dirty="0"/>
+          </a:p>
+          <a:p>
+            <a:pPr algn="r"/>
+            <a:r>
+              <a:rPr lang="en-US" sz="1800" b="1" dirty="0"/>
+              <a:t>Dan</a:t>
+            </a:r>
+            <a:r>
+              <a:rPr lang="tr-TR" sz="1800" b="1" dirty="0"/>
+              <a:t>ışman : </a:t>
+            </a:r>
+            <a:r>
+              <a:rPr lang="en-US" sz="1800" b="1" dirty="0"/>
+              <a:t>Prof. Dr. </a:t>
+            </a:r>
+            <a:r>
+              <a:rPr lang="en-US" sz="1800" b="1" dirty="0" err="1"/>
+              <a:t>Ecir</a:t>
+            </a:r>
+            <a:r>
+              <a:rPr lang="en-US" sz="1800" b="1" dirty="0"/>
+              <a:t> </a:t>
+            </a:r>
+            <a:r>
+              <a:rPr lang="en-US" sz="1800" b="1" dirty="0" err="1"/>
+              <a:t>Uğur</a:t>
+            </a:r>
+            <a:r>
+              <a:rPr lang="en-US" sz="1800" b="1" dirty="0"/>
+              <a:t> KÜÇÜKSİLLE </a:t>
+            </a:r>
           </a:p>
         </p:txBody>
       </p:sp>
